--- a/High School/Modern Electricity and Electronics/Unit 2 - Electrical Circuits and Devices/Section 1 - Circuits, Voltage, and Current/Assets/Unit 2 - Section 1 - Circuits.pptx
+++ b/High School/Modern Electricity and Electronics/Unit 2 - Electrical Circuits and Devices/Section 1 - Circuits, Voltage, and Current/Assets/Unit 2 - Section 1 - Circuits.pptx
@@ -5,10 +5,10 @@
     <p:sldMasterId id="2147483705" r:id="rId1"/>
   </p:sldMasterIdLst>
   <p:notesMasterIdLst>
-    <p:notesMasterId r:id="rId16"/>
+    <p:notesMasterId r:id="rId22"/>
   </p:notesMasterIdLst>
   <p:handoutMasterIdLst>
-    <p:handoutMasterId r:id="rId17"/>
+    <p:handoutMasterId r:id="rId23"/>
   </p:handoutMasterIdLst>
   <p:sldIdLst>
     <p:sldId id="268" r:id="rId2"/>
@@ -25,6 +25,12 @@
     <p:sldId id="281" r:id="rId13"/>
     <p:sldId id="282" r:id="rId14"/>
     <p:sldId id="283" r:id="rId15"/>
+    <p:sldId id="284" r:id="rId16"/>
+    <p:sldId id="285" r:id="rId17"/>
+    <p:sldId id="286" r:id="rId18"/>
+    <p:sldId id="287" r:id="rId19"/>
+    <p:sldId id="288" r:id="rId20"/>
+    <p:sldId id="289" r:id="rId21"/>
   </p:sldIdLst>
   <p:sldSz cx="12192000" cy="6858000"/>
   <p:notesSz cx="6858000" cy="9144000"/>
@@ -6685,6 +6691,1824 @@
 </p:sld>
 </file>
 
+<file path=ppt/slides/slide15.xml><?xml version="1.0" encoding="utf-8"?>
+<p:sld xmlns:a="http://schemas.openxmlformats.org/drawingml/2006/main" xmlns:r="http://schemas.openxmlformats.org/officeDocument/2006/relationships" xmlns:p="http://schemas.openxmlformats.org/presentationml/2006/main">
+  <p:cSld>
+    <p:spTree>
+      <p:nvGrpSpPr>
+        <p:cNvPr id="1" name=""/>
+        <p:cNvGrpSpPr/>
+        <p:nvPr/>
+      </p:nvGrpSpPr>
+      <p:grpSpPr>
+        <a:xfrm>
+          <a:off x="0" y="0"/>
+          <a:ext cx="0" cy="0"/>
+          <a:chOff x="0" y="0"/>
+          <a:chExt cx="0" cy="0"/>
+        </a:xfrm>
+      </p:grpSpPr>
+      <p:sp>
+        <p:nvSpPr>
+          <p:cNvPr id="2" name="Title 1">
+            <a:extLst>
+              <a:ext uri="{FF2B5EF4-FFF2-40B4-BE49-F238E27FC236}">
+                <a16:creationId xmlns:a16="http://schemas.microsoft.com/office/drawing/2014/main" id="{B62D9BA0-A334-4FF3-93BB-2FB3111349F5}"/>
+              </a:ext>
+            </a:extLst>
+          </p:cNvPr>
+          <p:cNvSpPr>
+            <a:spLocks noGrp="1"/>
+          </p:cNvSpPr>
+          <p:nvPr>
+            <p:ph type="title"/>
+          </p:nvPr>
+        </p:nvSpPr>
+        <p:spPr/>
+        <p:txBody>
+          <a:bodyPr/>
+          <a:lstStyle/>
+          <a:p>
+            <a:r>
+              <a:rPr lang="en-US" dirty="0"/>
+              <a:t>Voltage</a:t>
+            </a:r>
+          </a:p>
+        </p:txBody>
+      </p:sp>
+      <p:sp>
+        <p:nvSpPr>
+          <p:cNvPr id="3" name="Content Placeholder 2">
+            <a:extLst>
+              <a:ext uri="{FF2B5EF4-FFF2-40B4-BE49-F238E27FC236}">
+                <a16:creationId xmlns:a16="http://schemas.microsoft.com/office/drawing/2014/main" id="{005318A0-6FF4-4F35-B4BC-DF63ED994905}"/>
+              </a:ext>
+            </a:extLst>
+          </p:cNvPr>
+          <p:cNvSpPr>
+            <a:spLocks noGrp="1"/>
+          </p:cNvSpPr>
+          <p:nvPr>
+            <p:ph idx="1"/>
+          </p:nvPr>
+        </p:nvSpPr>
+        <p:spPr/>
+        <p:txBody>
+          <a:bodyPr>
+            <a:normAutofit fontScale="92500" lnSpcReduction="10000"/>
+          </a:bodyPr>
+          <a:lstStyle/>
+          <a:p>
+            <a:pPr>
+              <a:buFont typeface="Wingdings" panose="05000000000000000000" pitchFamily="2" charset="2"/>
+              <a:buChar char="§"/>
+            </a:pPr>
+            <a:r>
+              <a:rPr lang="en-US" altLang="en-US" sz="3200" dirty="0"/>
+              <a:t>The charge (electron) </a:t>
+            </a:r>
+            <a:r>
+              <a:rPr lang="ja-JP" altLang="en-US" sz="3200" dirty="0"/>
+              <a:t>“</a:t>
+            </a:r>
+            <a:r>
+              <a:rPr lang="en-US" altLang="ja-JP" sz="3200" dirty="0"/>
+              <a:t>pusher.</a:t>
+            </a:r>
+            <a:r>
+              <a:rPr lang="ja-JP" altLang="en-US" sz="3200" dirty="0"/>
+              <a:t>”</a:t>
+            </a:r>
+            <a:r>
+              <a:rPr lang="en-US" altLang="ja-JP" sz="3200" dirty="0"/>
+              <a:t> </a:t>
+            </a:r>
+          </a:p>
+          <a:p>
+            <a:pPr>
+              <a:buFont typeface="Wingdings" panose="05000000000000000000" pitchFamily="2" charset="2"/>
+              <a:buChar char="§"/>
+            </a:pPr>
+            <a:r>
+              <a:rPr lang="en-US" altLang="ja-JP" sz="3200" dirty="0"/>
+              <a:t>Voltage </a:t>
+            </a:r>
+            <a:r>
+              <a:rPr lang="en-US" altLang="ja-JP" sz="3200" i="1" dirty="0"/>
+              <a:t>causes</a:t>
+            </a:r>
+            <a:r>
+              <a:rPr lang="en-US" altLang="ja-JP" sz="3200" dirty="0"/>
+              <a:t> current to flow/move. </a:t>
+            </a:r>
+          </a:p>
+          <a:p>
+            <a:pPr>
+              <a:buFont typeface="Wingdings" panose="05000000000000000000" pitchFamily="2" charset="2"/>
+              <a:buChar char="§"/>
+            </a:pPr>
+            <a:r>
+              <a:rPr lang="en-US" altLang="en-US" sz="3200" dirty="0"/>
+              <a:t>Voltage sources:</a:t>
+            </a:r>
+          </a:p>
+          <a:p>
+            <a:pPr lvl="1">
+              <a:buFont typeface="Wingdings" panose="05000000000000000000" pitchFamily="2" charset="2"/>
+              <a:buChar char="§"/>
+            </a:pPr>
+            <a:r>
+              <a:rPr lang="en-US" altLang="en-US" sz="2800" dirty="0"/>
+              <a:t>Battery</a:t>
+            </a:r>
+          </a:p>
+          <a:p>
+            <a:pPr lvl="1">
+              <a:buFont typeface="Wingdings" panose="05000000000000000000" pitchFamily="2" charset="2"/>
+              <a:buChar char="§"/>
+            </a:pPr>
+            <a:r>
+              <a:rPr lang="en-US" altLang="en-US" sz="2800" dirty="0"/>
+              <a:t>Generator </a:t>
+            </a:r>
+          </a:p>
+          <a:p>
+            <a:pPr lvl="1">
+              <a:buFont typeface="Wingdings" panose="05000000000000000000" pitchFamily="2" charset="2"/>
+              <a:buChar char="§"/>
+            </a:pPr>
+            <a:r>
+              <a:rPr lang="en-US" altLang="en-US" sz="2800" dirty="0"/>
+              <a:t>Outlets</a:t>
+            </a:r>
+          </a:p>
+          <a:p>
+            <a:pPr>
+              <a:buFont typeface="Wingdings" panose="05000000000000000000" pitchFamily="2" charset="2"/>
+              <a:buChar char="§"/>
+            </a:pPr>
+            <a:r>
+              <a:rPr lang="en-US" altLang="en-US" sz="3200" b="1" dirty="0"/>
+              <a:t>Symbol for voltage</a:t>
+            </a:r>
+            <a:r>
+              <a:rPr lang="en-US" altLang="en-US" sz="3200" dirty="0"/>
+              <a:t> = V  </a:t>
+            </a:r>
+          </a:p>
+          <a:p>
+            <a:pPr>
+              <a:buFont typeface="Wingdings" panose="05000000000000000000" pitchFamily="2" charset="2"/>
+              <a:buChar char="§"/>
+            </a:pPr>
+            <a:r>
+              <a:rPr lang="en-US" altLang="en-US" sz="3200" b="1" dirty="0"/>
+              <a:t>Unit</a:t>
+            </a:r>
+            <a:r>
+              <a:rPr lang="en-US" altLang="en-US" sz="3200" dirty="0"/>
+              <a:t> </a:t>
+            </a:r>
+            <a:r>
+              <a:rPr lang="en-US" altLang="en-US" sz="3200" b="1" dirty="0"/>
+              <a:t>for voltage</a:t>
+            </a:r>
+            <a:r>
+              <a:rPr lang="en-US" altLang="en-US" sz="3200" dirty="0"/>
+              <a:t> = Volts (V)</a:t>
+            </a:r>
+          </a:p>
+          <a:p>
+            <a:endParaRPr lang="en-US" dirty="0"/>
+          </a:p>
+        </p:txBody>
+      </p:sp>
+      <p:sp>
+        <p:nvSpPr>
+          <p:cNvPr id="4" name="Footer Placeholder 3">
+            <a:extLst>
+              <a:ext uri="{FF2B5EF4-FFF2-40B4-BE49-F238E27FC236}">
+                <a16:creationId xmlns:a16="http://schemas.microsoft.com/office/drawing/2014/main" id="{B3FAEA85-D5F0-433C-9B06-1E141F2031E4}"/>
+              </a:ext>
+            </a:extLst>
+          </p:cNvPr>
+          <p:cNvSpPr>
+            <a:spLocks noGrp="1"/>
+          </p:cNvSpPr>
+          <p:nvPr>
+            <p:ph type="ftr" sz="quarter" idx="11"/>
+          </p:nvPr>
+        </p:nvSpPr>
+        <p:spPr/>
+        <p:txBody>
+          <a:bodyPr/>
+          <a:lstStyle/>
+          <a:p>
+            <a:r>
+              <a:rPr lang="en-US"/>
+              <a:t>Add a footer</a:t>
+            </a:r>
+            <a:endParaRPr lang="en-US" dirty="0"/>
+          </a:p>
+        </p:txBody>
+      </p:sp>
+    </p:spTree>
+    <p:extLst>
+      <p:ext uri="{BB962C8B-B14F-4D97-AF65-F5344CB8AC3E}">
+        <p14:creationId xmlns:p14="http://schemas.microsoft.com/office/powerpoint/2010/main" val="2059311025"/>
+      </p:ext>
+    </p:extLst>
+  </p:cSld>
+  <p:clrMapOvr>
+    <a:masterClrMapping/>
+  </p:clrMapOvr>
+  <mc:AlternateContent xmlns:mc="http://schemas.openxmlformats.org/markup-compatibility/2006" xmlns:p14="http://schemas.microsoft.com/office/powerpoint/2010/main">
+    <mc:Choice Requires="p14">
+      <p:transition spd="med" p14:dur="700">
+        <p:fade/>
+      </p:transition>
+    </mc:Choice>
+    <mc:Fallback xmlns="">
+      <p:transition spd="med">
+        <p:fade/>
+      </p:transition>
+    </mc:Fallback>
+  </mc:AlternateContent>
+</p:sld>
+</file>
+
+<file path=ppt/slides/slide16.xml><?xml version="1.0" encoding="utf-8"?>
+<p:sld xmlns:a="http://schemas.openxmlformats.org/drawingml/2006/main" xmlns:r="http://schemas.openxmlformats.org/officeDocument/2006/relationships" xmlns:p="http://schemas.openxmlformats.org/presentationml/2006/main">
+  <p:cSld>
+    <p:bg>
+      <p:bgPr>
+        <a:solidFill>
+          <a:schemeClr val="bg1"/>
+        </a:solidFill>
+        <a:effectLst/>
+      </p:bgPr>
+    </p:bg>
+    <p:spTree>
+      <p:nvGrpSpPr>
+        <p:cNvPr id="1" name=""/>
+        <p:cNvGrpSpPr/>
+        <p:nvPr/>
+      </p:nvGrpSpPr>
+      <p:grpSpPr>
+        <a:xfrm>
+          <a:off x="0" y="0"/>
+          <a:ext cx="0" cy="0"/>
+          <a:chOff x="0" y="0"/>
+          <a:chExt cx="0" cy="0"/>
+        </a:xfrm>
+      </p:grpSpPr>
+      <p:sp useBgFill="1">
+        <p:nvSpPr>
+          <p:cNvPr id="10" name="Rectangle 9">
+            <a:extLst>
+              <a:ext uri="{FF2B5EF4-FFF2-40B4-BE49-F238E27FC236}">
+                <a16:creationId xmlns:a16="http://schemas.microsoft.com/office/drawing/2014/main" id="{605A42EF-68E6-4808-81CD-E5ABD0ED92CA}"/>
+              </a:ext>
+              <a:ext uri="{C183D7F6-B498-43B3-948B-1728B52AA6E4}">
+                <adec:decorative xmlns:adec="http://schemas.microsoft.com/office/drawing/2017/decorative" val="1"/>
+              </a:ext>
+            </a:extLst>
+          </p:cNvPr>
+          <p:cNvSpPr>
+            <a:spLocks noGrp="1" noRot="1" noChangeAspect="1" noMove="1" noResize="1" noEditPoints="1" noAdjustHandles="1" noChangeArrowheads="1" noChangeShapeType="1" noTextEdit="1"/>
+          </p:cNvSpPr>
+          <p:nvPr>
+            <p:extLst>
+              <p:ext uri="{386F3935-93C4-4BCD-93E2-E3B085C9AB24}">
+                <p16:designElem xmlns:p16="http://schemas.microsoft.com/office/powerpoint/2015/main" val="1"/>
+              </p:ext>
+            </p:extLst>
+          </p:nvPr>
+        </p:nvSpPr>
+        <p:spPr>
+          <a:xfrm>
+            <a:off x="0" y="0"/>
+            <a:ext cx="12192001" cy="6334316"/>
+          </a:xfrm>
+          <a:prstGeom prst="rect">
+            <a:avLst/>
+          </a:prstGeom>
+          <a:ln>
+            <a:noFill/>
+          </a:ln>
+        </p:spPr>
+        <p:style>
+          <a:lnRef idx="2">
+            <a:schemeClr val="accent1">
+              <a:shade val="50000"/>
+            </a:schemeClr>
+          </a:lnRef>
+          <a:fillRef idx="1">
+            <a:schemeClr val="accent1"/>
+          </a:fillRef>
+          <a:effectRef idx="0">
+            <a:schemeClr val="accent1"/>
+          </a:effectRef>
+          <a:fontRef idx="minor">
+            <a:schemeClr val="lt1"/>
+          </a:fontRef>
+        </p:style>
+        <p:txBody>
+          <a:bodyPr rtlCol="0" anchor="ctr"/>
+          <a:lstStyle/>
+          <a:p>
+            <a:pPr algn="ctr"/>
+            <a:endParaRPr lang="en-US"/>
+          </a:p>
+        </p:txBody>
+      </p:sp>
+      <p:sp>
+        <p:nvSpPr>
+          <p:cNvPr id="2" name="Title 1">
+            <a:extLst>
+              <a:ext uri="{FF2B5EF4-FFF2-40B4-BE49-F238E27FC236}">
+                <a16:creationId xmlns:a16="http://schemas.microsoft.com/office/drawing/2014/main" id="{16C5698A-CF6A-4E1F-9A6E-4F8C56B8D469}"/>
+              </a:ext>
+            </a:extLst>
+          </p:cNvPr>
+          <p:cNvSpPr>
+            <a:spLocks noGrp="1"/>
+          </p:cNvSpPr>
+          <p:nvPr>
+            <p:ph type="title"/>
+          </p:nvPr>
+        </p:nvSpPr>
+        <p:spPr>
+          <a:xfrm>
+            <a:off x="6411685" y="634946"/>
+            <a:ext cx="5127171" cy="1450757"/>
+          </a:xfrm>
+        </p:spPr>
+        <p:txBody>
+          <a:bodyPr>
+            <a:normAutofit/>
+          </a:bodyPr>
+          <a:lstStyle/>
+          <a:p>
+            <a:r>
+              <a:rPr lang="en-US" dirty="0"/>
+              <a:t>Alessandro Volta (1745 – 1827) </a:t>
+            </a:r>
+          </a:p>
+        </p:txBody>
+      </p:sp>
+      <p:pic>
+        <p:nvPicPr>
+          <p:cNvPr id="5" name="Picture 5" descr="225px-Volta_A">
+            <a:hlinkClick r:id="rId2" tooltip="Alessandro Giuseppe Antonio Anastasio Volta"/>
+            <a:extLst>
+              <a:ext uri="{FF2B5EF4-FFF2-40B4-BE49-F238E27FC236}">
+                <a16:creationId xmlns:a16="http://schemas.microsoft.com/office/drawing/2014/main" id="{D5938F58-731F-4B5F-8D9D-C415C61037C3}"/>
+              </a:ext>
+            </a:extLst>
+          </p:cNvPr>
+          <p:cNvPicPr>
+            <a:picLocks noChangeAspect="1" noChangeArrowheads="1"/>
+          </p:cNvPicPr>
+          <p:nvPr/>
+        </p:nvPicPr>
+        <p:blipFill>
+          <a:blip r:embed="rId3">
+            <a:extLst>
+              <a:ext uri="{28A0092B-C50C-407E-A947-70E740481C1C}">
+                <a14:useLocalDpi xmlns:a14="http://schemas.microsoft.com/office/drawing/2010/main" val="0"/>
+              </a:ext>
+            </a:extLst>
+          </a:blip>
+          <a:srcRect/>
+          <a:stretch>
+            <a:fillRect/>
+          </a:stretch>
+        </p:blipFill>
+        <p:spPr bwMode="auto">
+          <a:xfrm>
+            <a:off x="643192" y="652199"/>
+            <a:ext cx="5451627" cy="5233561"/>
+          </a:xfrm>
+          <a:prstGeom prst="rect">
+            <a:avLst/>
+          </a:prstGeom>
+          <a:noFill/>
+          <a:extLst>
+            <a:ext uri="{909E8E84-426E-40DD-AFC4-6F175D3DCCD1}">
+              <a14:hiddenFill xmlns:a14="http://schemas.microsoft.com/office/drawing/2010/main">
+                <a:solidFill>
+                  <a:srgbClr val="FFFFFF"/>
+                </a:solidFill>
+              </a14:hiddenFill>
+            </a:ext>
+            <a:ext uri="{91240B29-F687-4F45-9708-019B960494DF}">
+              <a14:hiddenLine xmlns:a14="http://schemas.microsoft.com/office/drawing/2010/main" w="9525">
+                <a:solidFill>
+                  <a:srgbClr val="000000"/>
+                </a:solidFill>
+                <a:miter lim="800000"/>
+                <a:headEnd/>
+                <a:tailEnd/>
+              </a14:hiddenLine>
+            </a:ext>
+          </a:extLst>
+        </p:spPr>
+      </p:pic>
+      <p:cxnSp>
+        <p:nvCxnSpPr>
+          <p:cNvPr id="12" name="Straight Connector 11">
+            <a:extLst>
+              <a:ext uri="{FF2B5EF4-FFF2-40B4-BE49-F238E27FC236}">
+                <a16:creationId xmlns:a16="http://schemas.microsoft.com/office/drawing/2014/main" id="{3C4A154E-1950-4755-A5FC-5998EE0CC14B}"/>
+              </a:ext>
+              <a:ext uri="{C183D7F6-B498-43B3-948B-1728B52AA6E4}">
+                <adec:decorative xmlns:adec="http://schemas.microsoft.com/office/drawing/2017/decorative" val="1"/>
+              </a:ext>
+            </a:extLst>
+          </p:cNvPr>
+          <p:cNvCxnSpPr>
+            <a:cxnSpLocks noGrp="1" noRot="1" noChangeAspect="1" noMove="1" noResize="1" noEditPoints="1" noAdjustHandles="1" noChangeArrowheads="1" noChangeShapeType="1"/>
+          </p:cNvCxnSpPr>
+          <p:nvPr>
+            <p:extLst>
+              <p:ext uri="{386F3935-93C4-4BCD-93E2-E3B085C9AB24}">
+                <p16:designElem xmlns:p16="http://schemas.microsoft.com/office/powerpoint/2015/main" val="1"/>
+              </p:ext>
+            </p:extLst>
+          </p:nvPr>
+        </p:nvCxnSpPr>
+        <p:spPr>
+          <a:xfrm>
+            <a:off x="6411684" y="2086188"/>
+            <a:ext cx="4748808" cy="0"/>
+          </a:xfrm>
+          <a:prstGeom prst="line">
+            <a:avLst/>
+          </a:prstGeom>
+          <a:ln w="6350">
+            <a:solidFill>
+              <a:schemeClr val="tx1">
+                <a:lumMod val="50000"/>
+                <a:lumOff val="50000"/>
+                <a:alpha val="90000"/>
+              </a:schemeClr>
+            </a:solidFill>
+          </a:ln>
+        </p:spPr>
+        <p:style>
+          <a:lnRef idx="1">
+            <a:schemeClr val="accent1"/>
+          </a:lnRef>
+          <a:fillRef idx="0">
+            <a:schemeClr val="accent1"/>
+          </a:fillRef>
+          <a:effectRef idx="0">
+            <a:schemeClr val="accent1"/>
+          </a:effectRef>
+          <a:fontRef idx="minor">
+            <a:schemeClr val="tx1"/>
+          </a:fontRef>
+        </p:style>
+      </p:cxnSp>
+      <p:sp>
+        <p:nvSpPr>
+          <p:cNvPr id="3" name="Content Placeholder 2">
+            <a:extLst>
+              <a:ext uri="{FF2B5EF4-FFF2-40B4-BE49-F238E27FC236}">
+                <a16:creationId xmlns:a16="http://schemas.microsoft.com/office/drawing/2014/main" id="{12845366-FACD-4C0A-BB11-5B7FD8568388}"/>
+              </a:ext>
+            </a:extLst>
+          </p:cNvPr>
+          <p:cNvSpPr>
+            <a:spLocks noGrp="1"/>
+          </p:cNvSpPr>
+          <p:nvPr>
+            <p:ph idx="1"/>
+          </p:nvPr>
+        </p:nvSpPr>
+        <p:spPr>
+          <a:xfrm>
+            <a:off x="6411684" y="2198914"/>
+            <a:ext cx="5127172" cy="3670180"/>
+          </a:xfrm>
+        </p:spPr>
+        <p:txBody>
+          <a:bodyPr>
+            <a:normAutofit/>
+          </a:bodyPr>
+          <a:lstStyle/>
+          <a:p>
+            <a:pPr>
+              <a:buFont typeface="Wingdings" panose="05000000000000000000" pitchFamily="2" charset="2"/>
+              <a:buChar char="§"/>
+            </a:pPr>
+            <a:r>
+              <a:rPr lang="en-US" dirty="0"/>
+              <a:t>Italian physicist </a:t>
+            </a:r>
+          </a:p>
+          <a:p>
+            <a:pPr>
+              <a:buFont typeface="Wingdings" panose="05000000000000000000" pitchFamily="2" charset="2"/>
+              <a:buChar char="§"/>
+            </a:pPr>
+            <a:r>
+              <a:rPr lang="en-US" dirty="0"/>
+              <a:t>known especially for the invention of the electrochemical cell, aka the battery in 1800.</a:t>
+            </a:r>
+          </a:p>
+          <a:p>
+            <a:endParaRPr lang="en-US" dirty="0"/>
+          </a:p>
+        </p:txBody>
+      </p:sp>
+      <p:sp>
+        <p:nvSpPr>
+          <p:cNvPr id="14" name="Rectangle 13">
+            <a:extLst>
+              <a:ext uri="{FF2B5EF4-FFF2-40B4-BE49-F238E27FC236}">
+                <a16:creationId xmlns:a16="http://schemas.microsoft.com/office/drawing/2014/main" id="{3FE9C285-56FB-4B36-8ECA-C2D6596AA906}"/>
+              </a:ext>
+              <a:ext uri="{C183D7F6-B498-43B3-948B-1728B52AA6E4}">
+                <adec:decorative xmlns:adec="http://schemas.microsoft.com/office/drawing/2017/decorative" val="1"/>
+              </a:ext>
+            </a:extLst>
+          </p:cNvPr>
+          <p:cNvSpPr>
+            <a:spLocks noGrp="1" noRot="1" noChangeAspect="1" noMove="1" noResize="1" noEditPoints="1" noAdjustHandles="1" noChangeArrowheads="1" noChangeShapeType="1" noTextEdit="1"/>
+          </p:cNvSpPr>
+          <p:nvPr>
+            <p:extLst>
+              <p:ext uri="{386F3935-93C4-4BCD-93E2-E3B085C9AB24}">
+                <p16:designElem xmlns:p16="http://schemas.microsoft.com/office/powerpoint/2015/main" val="1"/>
+              </p:ext>
+            </p:extLst>
+          </p:nvPr>
+        </p:nvSpPr>
+        <p:spPr>
+          <a:xfrm>
+            <a:off x="15" y="6334316"/>
+            <a:ext cx="12191985" cy="66484"/>
+          </a:xfrm>
+          <a:prstGeom prst="rect">
+            <a:avLst/>
+          </a:prstGeom>
+          <a:solidFill>
+            <a:schemeClr val="accent1"/>
+          </a:solidFill>
+          <a:ln>
+            <a:noFill/>
+          </a:ln>
+        </p:spPr>
+        <p:style>
+          <a:lnRef idx="2">
+            <a:schemeClr val="accent1">
+              <a:shade val="50000"/>
+            </a:schemeClr>
+          </a:lnRef>
+          <a:fillRef idx="1">
+            <a:schemeClr val="accent1"/>
+          </a:fillRef>
+          <a:effectRef idx="0">
+            <a:schemeClr val="accent1"/>
+          </a:effectRef>
+          <a:fontRef idx="minor">
+            <a:schemeClr val="lt1"/>
+          </a:fontRef>
+        </p:style>
+      </p:sp>
+      <p:sp>
+        <p:nvSpPr>
+          <p:cNvPr id="16" name="Rectangle 15">
+            <a:extLst>
+              <a:ext uri="{FF2B5EF4-FFF2-40B4-BE49-F238E27FC236}">
+                <a16:creationId xmlns:a16="http://schemas.microsoft.com/office/drawing/2014/main" id="{937C076B-00B1-4629-B27F-A86F9885FB4D}"/>
+              </a:ext>
+              <a:ext uri="{C183D7F6-B498-43B3-948B-1728B52AA6E4}">
+                <adec:decorative xmlns:adec="http://schemas.microsoft.com/office/drawing/2017/decorative" val="1"/>
+              </a:ext>
+            </a:extLst>
+          </p:cNvPr>
+          <p:cNvSpPr>
+            <a:spLocks noGrp="1" noRot="1" noChangeAspect="1" noMove="1" noResize="1" noEditPoints="1" noAdjustHandles="1" noChangeArrowheads="1" noChangeShapeType="1" noTextEdit="1"/>
+          </p:cNvSpPr>
+          <p:nvPr>
+            <p:extLst>
+              <p:ext uri="{386F3935-93C4-4BCD-93E2-E3B085C9AB24}">
+                <p16:designElem xmlns:p16="http://schemas.microsoft.com/office/powerpoint/2015/main" val="1"/>
+              </p:ext>
+            </p:extLst>
+          </p:nvPr>
+        </p:nvSpPr>
+        <p:spPr>
+          <a:xfrm>
+            <a:off x="1" y="6400800"/>
+            <a:ext cx="12192000" cy="457200"/>
+          </a:xfrm>
+          <a:prstGeom prst="rect">
+            <a:avLst/>
+          </a:prstGeom>
+          <a:solidFill>
+            <a:schemeClr val="accent2"/>
+          </a:solidFill>
+          <a:ln>
+            <a:noFill/>
+          </a:ln>
+        </p:spPr>
+        <p:style>
+          <a:lnRef idx="2">
+            <a:schemeClr val="accent1">
+              <a:shade val="50000"/>
+            </a:schemeClr>
+          </a:lnRef>
+          <a:fillRef idx="1">
+            <a:schemeClr val="accent1"/>
+          </a:fillRef>
+          <a:effectRef idx="0">
+            <a:schemeClr val="accent1"/>
+          </a:effectRef>
+          <a:fontRef idx="minor">
+            <a:schemeClr val="lt1"/>
+          </a:fontRef>
+        </p:style>
+      </p:sp>
+      <p:sp>
+        <p:nvSpPr>
+          <p:cNvPr id="4" name="Footer Placeholder 3">
+            <a:extLst>
+              <a:ext uri="{FF2B5EF4-FFF2-40B4-BE49-F238E27FC236}">
+                <a16:creationId xmlns:a16="http://schemas.microsoft.com/office/drawing/2014/main" id="{3C2A3E9A-B1BB-4F0A-B008-EC668C8DCBC1}"/>
+              </a:ext>
+            </a:extLst>
+          </p:cNvPr>
+          <p:cNvSpPr>
+            <a:spLocks noGrp="1"/>
+          </p:cNvSpPr>
+          <p:nvPr>
+            <p:ph type="ftr" sz="quarter" idx="11"/>
+          </p:nvPr>
+        </p:nvSpPr>
+        <p:spPr>
+          <a:xfrm>
+            <a:off x="3686185" y="6459785"/>
+            <a:ext cx="4822804" cy="365125"/>
+          </a:xfrm>
+        </p:spPr>
+        <p:txBody>
+          <a:bodyPr>
+            <a:normAutofit/>
+          </a:bodyPr>
+          <a:lstStyle/>
+          <a:p>
+            <a:pPr>
+              <a:spcAft>
+                <a:spcPts val="600"/>
+              </a:spcAft>
+            </a:pPr>
+            <a:r>
+              <a:rPr lang="en-US"/>
+              <a:t>Add a footer</a:t>
+            </a:r>
+          </a:p>
+        </p:txBody>
+      </p:sp>
+    </p:spTree>
+    <p:extLst>
+      <p:ext uri="{BB962C8B-B14F-4D97-AF65-F5344CB8AC3E}">
+        <p14:creationId xmlns:p14="http://schemas.microsoft.com/office/powerpoint/2010/main" val="589786945"/>
+      </p:ext>
+    </p:extLst>
+  </p:cSld>
+  <p:clrMapOvr>
+    <a:masterClrMapping/>
+  </p:clrMapOvr>
+  <mc:AlternateContent xmlns:mc="http://schemas.openxmlformats.org/markup-compatibility/2006">
+    <mc:Choice xmlns:p14="http://schemas.microsoft.com/office/powerpoint/2010/main" Requires="p14">
+      <p:transition spd="med" p14:dur="700">
+        <p:fade/>
+      </p:transition>
+    </mc:Choice>
+    <mc:Fallback>
+      <p:transition spd="med">
+        <p:fade/>
+      </p:transition>
+    </mc:Fallback>
+  </mc:AlternateContent>
+</p:sld>
+</file>
+
+<file path=ppt/slides/slide17.xml><?xml version="1.0" encoding="utf-8"?>
+<p:sld xmlns:a="http://schemas.openxmlformats.org/drawingml/2006/main" xmlns:r="http://schemas.openxmlformats.org/officeDocument/2006/relationships" xmlns:p="http://schemas.openxmlformats.org/presentationml/2006/main">
+  <p:cSld>
+    <p:bg>
+      <p:bgPr>
+        <a:solidFill>
+          <a:schemeClr val="bg1"/>
+        </a:solidFill>
+        <a:effectLst/>
+      </p:bgPr>
+    </p:bg>
+    <p:spTree>
+      <p:nvGrpSpPr>
+        <p:cNvPr id="1" name=""/>
+        <p:cNvGrpSpPr/>
+        <p:nvPr/>
+      </p:nvGrpSpPr>
+      <p:grpSpPr>
+        <a:xfrm>
+          <a:off x="0" y="0"/>
+          <a:ext cx="0" cy="0"/>
+          <a:chOff x="0" y="0"/>
+          <a:chExt cx="0" cy="0"/>
+        </a:xfrm>
+      </p:grpSpPr>
+      <p:sp useBgFill="1">
+        <p:nvSpPr>
+          <p:cNvPr id="1033" name="Rectangle 70">
+            <a:extLst>
+              <a:ext uri="{FF2B5EF4-FFF2-40B4-BE49-F238E27FC236}">
+                <a16:creationId xmlns:a16="http://schemas.microsoft.com/office/drawing/2014/main" id="{605A42EF-68E6-4808-81CD-E5ABD0ED92CA}"/>
+              </a:ext>
+              <a:ext uri="{C183D7F6-B498-43B3-948B-1728B52AA6E4}">
+                <adec:decorative xmlns:adec="http://schemas.microsoft.com/office/drawing/2017/decorative" val="1"/>
+              </a:ext>
+            </a:extLst>
+          </p:cNvPr>
+          <p:cNvSpPr>
+            <a:spLocks noGrp="1" noRot="1" noChangeAspect="1" noMove="1" noResize="1" noEditPoints="1" noAdjustHandles="1" noChangeArrowheads="1" noChangeShapeType="1" noTextEdit="1"/>
+          </p:cNvSpPr>
+          <p:nvPr>
+            <p:extLst>
+              <p:ext uri="{386F3935-93C4-4BCD-93E2-E3B085C9AB24}">
+                <p16:designElem xmlns:p16="http://schemas.microsoft.com/office/powerpoint/2015/main" val="1"/>
+              </p:ext>
+            </p:extLst>
+          </p:nvPr>
+        </p:nvSpPr>
+        <p:spPr>
+          <a:xfrm>
+            <a:off x="0" y="0"/>
+            <a:ext cx="12192001" cy="6334316"/>
+          </a:xfrm>
+          <a:prstGeom prst="rect">
+            <a:avLst/>
+          </a:prstGeom>
+          <a:ln>
+            <a:noFill/>
+          </a:ln>
+        </p:spPr>
+        <p:style>
+          <a:lnRef idx="2">
+            <a:schemeClr val="accent1">
+              <a:shade val="50000"/>
+            </a:schemeClr>
+          </a:lnRef>
+          <a:fillRef idx="1">
+            <a:schemeClr val="accent1"/>
+          </a:fillRef>
+          <a:effectRef idx="0">
+            <a:schemeClr val="accent1"/>
+          </a:effectRef>
+          <a:fontRef idx="minor">
+            <a:schemeClr val="lt1"/>
+          </a:fontRef>
+        </p:style>
+        <p:txBody>
+          <a:bodyPr rtlCol="0" anchor="ctr"/>
+          <a:lstStyle/>
+          <a:p>
+            <a:pPr algn="ctr"/>
+            <a:endParaRPr lang="en-US"/>
+          </a:p>
+        </p:txBody>
+      </p:sp>
+      <p:sp>
+        <p:nvSpPr>
+          <p:cNvPr id="2" name="Title 1">
+            <a:extLst>
+              <a:ext uri="{FF2B5EF4-FFF2-40B4-BE49-F238E27FC236}">
+                <a16:creationId xmlns:a16="http://schemas.microsoft.com/office/drawing/2014/main" id="{F63B48F2-217D-424A-BE06-96F74150BCC1}"/>
+              </a:ext>
+            </a:extLst>
+          </p:cNvPr>
+          <p:cNvSpPr>
+            <a:spLocks noGrp="1"/>
+          </p:cNvSpPr>
+          <p:nvPr>
+            <p:ph type="title"/>
+          </p:nvPr>
+        </p:nvSpPr>
+        <p:spPr>
+          <a:xfrm>
+            <a:off x="6411685" y="634946"/>
+            <a:ext cx="5127171" cy="1450757"/>
+          </a:xfrm>
+        </p:spPr>
+        <p:txBody>
+          <a:bodyPr>
+            <a:normAutofit/>
+          </a:bodyPr>
+          <a:lstStyle/>
+          <a:p>
+            <a:r>
+              <a:rPr lang="en-US"/>
+              <a:t>Voltage At Home</a:t>
+            </a:r>
+            <a:endParaRPr lang="en-US" dirty="0"/>
+          </a:p>
+        </p:txBody>
+      </p:sp>
+      <p:pic>
+        <p:nvPicPr>
+          <p:cNvPr id="1026" name="Picture 2" descr="Image result for circuit breaker house power line">
+            <a:extLst>
+              <a:ext uri="{FF2B5EF4-FFF2-40B4-BE49-F238E27FC236}">
+                <a16:creationId xmlns:a16="http://schemas.microsoft.com/office/drawing/2014/main" id="{2A303CF1-AE0A-4BF1-B1AB-98BBC7A238F2}"/>
+              </a:ext>
+            </a:extLst>
+          </p:cNvPr>
+          <p:cNvPicPr>
+            <a:picLocks noChangeAspect="1" noChangeArrowheads="1"/>
+          </p:cNvPicPr>
+          <p:nvPr/>
+        </p:nvPicPr>
+        <p:blipFill>
+          <a:blip r:embed="rId2">
+            <a:extLst>
+              <a:ext uri="{28A0092B-C50C-407E-A947-70E740481C1C}">
+                <a14:useLocalDpi xmlns:a14="http://schemas.microsoft.com/office/drawing/2010/main" val="0"/>
+              </a:ext>
+            </a:extLst>
+          </a:blip>
+          <a:srcRect/>
+          <a:stretch>
+            <a:fillRect/>
+          </a:stretch>
+        </p:blipFill>
+        <p:spPr bwMode="auto">
+          <a:xfrm>
+            <a:off x="1099355" y="645106"/>
+            <a:ext cx="4539301" cy="5247747"/>
+          </a:xfrm>
+          <a:prstGeom prst="rect">
+            <a:avLst/>
+          </a:prstGeom>
+          <a:noFill/>
+          <a:extLst>
+            <a:ext uri="{909E8E84-426E-40DD-AFC4-6F175D3DCCD1}">
+              <a14:hiddenFill xmlns:a14="http://schemas.microsoft.com/office/drawing/2010/main">
+                <a:solidFill>
+                  <a:srgbClr val="FFFFFF"/>
+                </a:solidFill>
+              </a14:hiddenFill>
+            </a:ext>
+          </a:extLst>
+        </p:spPr>
+      </p:pic>
+      <p:cxnSp>
+        <p:nvCxnSpPr>
+          <p:cNvPr id="1034" name="Straight Connector 72">
+            <a:extLst>
+              <a:ext uri="{FF2B5EF4-FFF2-40B4-BE49-F238E27FC236}">
+                <a16:creationId xmlns:a16="http://schemas.microsoft.com/office/drawing/2014/main" id="{3C4A154E-1950-4755-A5FC-5998EE0CC14B}"/>
+              </a:ext>
+              <a:ext uri="{C183D7F6-B498-43B3-948B-1728B52AA6E4}">
+                <adec:decorative xmlns:adec="http://schemas.microsoft.com/office/drawing/2017/decorative" val="1"/>
+              </a:ext>
+            </a:extLst>
+          </p:cNvPr>
+          <p:cNvCxnSpPr>
+            <a:cxnSpLocks noGrp="1" noRot="1" noChangeAspect="1" noMove="1" noResize="1" noEditPoints="1" noAdjustHandles="1" noChangeArrowheads="1" noChangeShapeType="1"/>
+          </p:cNvCxnSpPr>
+          <p:nvPr>
+            <p:extLst>
+              <p:ext uri="{386F3935-93C4-4BCD-93E2-E3B085C9AB24}">
+                <p16:designElem xmlns:p16="http://schemas.microsoft.com/office/powerpoint/2015/main" val="1"/>
+              </p:ext>
+            </p:extLst>
+          </p:nvPr>
+        </p:nvCxnSpPr>
+        <p:spPr>
+          <a:xfrm>
+            <a:off x="6411684" y="2086188"/>
+            <a:ext cx="4748808" cy="0"/>
+          </a:xfrm>
+          <a:prstGeom prst="line">
+            <a:avLst/>
+          </a:prstGeom>
+          <a:ln w="6350">
+            <a:solidFill>
+              <a:schemeClr val="tx1">
+                <a:lumMod val="50000"/>
+                <a:lumOff val="50000"/>
+                <a:alpha val="90000"/>
+              </a:schemeClr>
+            </a:solidFill>
+          </a:ln>
+        </p:spPr>
+        <p:style>
+          <a:lnRef idx="1">
+            <a:schemeClr val="accent1"/>
+          </a:lnRef>
+          <a:fillRef idx="0">
+            <a:schemeClr val="accent1"/>
+          </a:fillRef>
+          <a:effectRef idx="0">
+            <a:schemeClr val="accent1"/>
+          </a:effectRef>
+          <a:fontRef idx="minor">
+            <a:schemeClr val="tx1"/>
+          </a:fontRef>
+        </p:style>
+      </p:cxnSp>
+      <p:sp>
+        <p:nvSpPr>
+          <p:cNvPr id="3" name="Content Placeholder 2">
+            <a:extLst>
+              <a:ext uri="{FF2B5EF4-FFF2-40B4-BE49-F238E27FC236}">
+                <a16:creationId xmlns:a16="http://schemas.microsoft.com/office/drawing/2014/main" id="{ECD496C9-767A-46F0-968E-FAC5D6348D6F}"/>
+              </a:ext>
+            </a:extLst>
+          </p:cNvPr>
+          <p:cNvSpPr>
+            <a:spLocks noGrp="1"/>
+          </p:cNvSpPr>
+          <p:nvPr>
+            <p:ph idx="1"/>
+          </p:nvPr>
+        </p:nvSpPr>
+        <p:spPr>
+          <a:xfrm>
+            <a:off x="6411684" y="2198914"/>
+            <a:ext cx="5127172" cy="3670180"/>
+          </a:xfrm>
+        </p:spPr>
+        <p:txBody>
+          <a:bodyPr>
+            <a:normAutofit/>
+          </a:bodyPr>
+          <a:lstStyle/>
+          <a:p>
+            <a:pPr>
+              <a:buFont typeface="Wingdings" panose="05000000000000000000" pitchFamily="2" charset="2"/>
+              <a:buChar char="§"/>
+            </a:pPr>
+            <a:r>
+              <a:rPr lang="en-US" altLang="en-US"/>
+              <a:t>Power utilities use large generators to provide the 120V that is delivered to your home outlets.  </a:t>
+            </a:r>
+          </a:p>
+          <a:p>
+            <a:pPr>
+              <a:buFont typeface="Wingdings" panose="05000000000000000000" pitchFamily="2" charset="2"/>
+              <a:buChar char="§"/>
+            </a:pPr>
+            <a:r>
+              <a:rPr lang="en-US" altLang="en-US"/>
+              <a:t>When you plug in something to the outlet  (lamp, blow dryer, TV, etc) the voltage is applied </a:t>
+            </a:r>
+            <a:r>
+              <a:rPr lang="en-US" altLang="en-US" i="1"/>
+              <a:t>across the circuit</a:t>
+            </a:r>
+            <a:r>
+              <a:rPr lang="en-US" altLang="en-US"/>
+              <a:t>, allowing the charge to flow (electric current).</a:t>
+            </a:r>
+          </a:p>
+          <a:p>
+            <a:endParaRPr lang="en-US" dirty="0"/>
+          </a:p>
+        </p:txBody>
+      </p:sp>
+      <p:sp>
+        <p:nvSpPr>
+          <p:cNvPr id="75" name="Rectangle 74">
+            <a:extLst>
+              <a:ext uri="{FF2B5EF4-FFF2-40B4-BE49-F238E27FC236}">
+                <a16:creationId xmlns:a16="http://schemas.microsoft.com/office/drawing/2014/main" id="{3FE9C285-56FB-4B36-8ECA-C2D6596AA906}"/>
+              </a:ext>
+              <a:ext uri="{C183D7F6-B498-43B3-948B-1728B52AA6E4}">
+                <adec:decorative xmlns:adec="http://schemas.microsoft.com/office/drawing/2017/decorative" val="1"/>
+              </a:ext>
+            </a:extLst>
+          </p:cNvPr>
+          <p:cNvSpPr>
+            <a:spLocks noGrp="1" noRot="1" noChangeAspect="1" noMove="1" noResize="1" noEditPoints="1" noAdjustHandles="1" noChangeArrowheads="1" noChangeShapeType="1" noTextEdit="1"/>
+          </p:cNvSpPr>
+          <p:nvPr>
+            <p:extLst>
+              <p:ext uri="{386F3935-93C4-4BCD-93E2-E3B085C9AB24}">
+                <p16:designElem xmlns:p16="http://schemas.microsoft.com/office/powerpoint/2015/main" val="1"/>
+              </p:ext>
+            </p:extLst>
+          </p:nvPr>
+        </p:nvSpPr>
+        <p:spPr>
+          <a:xfrm>
+            <a:off x="15" y="6334316"/>
+            <a:ext cx="12191985" cy="66484"/>
+          </a:xfrm>
+          <a:prstGeom prst="rect">
+            <a:avLst/>
+          </a:prstGeom>
+          <a:solidFill>
+            <a:schemeClr val="accent1"/>
+          </a:solidFill>
+          <a:ln>
+            <a:noFill/>
+          </a:ln>
+        </p:spPr>
+        <p:style>
+          <a:lnRef idx="2">
+            <a:schemeClr val="accent1">
+              <a:shade val="50000"/>
+            </a:schemeClr>
+          </a:lnRef>
+          <a:fillRef idx="1">
+            <a:schemeClr val="accent1"/>
+          </a:fillRef>
+          <a:effectRef idx="0">
+            <a:schemeClr val="accent1"/>
+          </a:effectRef>
+          <a:fontRef idx="minor">
+            <a:schemeClr val="lt1"/>
+          </a:fontRef>
+        </p:style>
+      </p:sp>
+      <p:sp>
+        <p:nvSpPr>
+          <p:cNvPr id="77" name="Rectangle 76">
+            <a:extLst>
+              <a:ext uri="{FF2B5EF4-FFF2-40B4-BE49-F238E27FC236}">
+                <a16:creationId xmlns:a16="http://schemas.microsoft.com/office/drawing/2014/main" id="{937C076B-00B1-4629-B27F-A86F9885FB4D}"/>
+              </a:ext>
+              <a:ext uri="{C183D7F6-B498-43B3-948B-1728B52AA6E4}">
+                <adec:decorative xmlns:adec="http://schemas.microsoft.com/office/drawing/2017/decorative" val="1"/>
+              </a:ext>
+            </a:extLst>
+          </p:cNvPr>
+          <p:cNvSpPr>
+            <a:spLocks noGrp="1" noRot="1" noChangeAspect="1" noMove="1" noResize="1" noEditPoints="1" noAdjustHandles="1" noChangeArrowheads="1" noChangeShapeType="1" noTextEdit="1"/>
+          </p:cNvSpPr>
+          <p:nvPr>
+            <p:extLst>
+              <p:ext uri="{386F3935-93C4-4BCD-93E2-E3B085C9AB24}">
+                <p16:designElem xmlns:p16="http://schemas.microsoft.com/office/powerpoint/2015/main" val="1"/>
+              </p:ext>
+            </p:extLst>
+          </p:nvPr>
+        </p:nvSpPr>
+        <p:spPr>
+          <a:xfrm>
+            <a:off x="1" y="6400800"/>
+            <a:ext cx="12192000" cy="457200"/>
+          </a:xfrm>
+          <a:prstGeom prst="rect">
+            <a:avLst/>
+          </a:prstGeom>
+          <a:solidFill>
+            <a:schemeClr val="accent2"/>
+          </a:solidFill>
+          <a:ln>
+            <a:noFill/>
+          </a:ln>
+        </p:spPr>
+        <p:style>
+          <a:lnRef idx="2">
+            <a:schemeClr val="accent1">
+              <a:shade val="50000"/>
+            </a:schemeClr>
+          </a:lnRef>
+          <a:fillRef idx="1">
+            <a:schemeClr val="accent1"/>
+          </a:fillRef>
+          <a:effectRef idx="0">
+            <a:schemeClr val="accent1"/>
+          </a:effectRef>
+          <a:fontRef idx="minor">
+            <a:schemeClr val="lt1"/>
+          </a:fontRef>
+        </p:style>
+      </p:sp>
+      <p:sp>
+        <p:nvSpPr>
+          <p:cNvPr id="4" name="Footer Placeholder 3">
+            <a:extLst>
+              <a:ext uri="{FF2B5EF4-FFF2-40B4-BE49-F238E27FC236}">
+                <a16:creationId xmlns:a16="http://schemas.microsoft.com/office/drawing/2014/main" id="{5015F4EF-3BD5-4867-AD28-9DCE7C2F6969}"/>
+              </a:ext>
+            </a:extLst>
+          </p:cNvPr>
+          <p:cNvSpPr>
+            <a:spLocks noGrp="1"/>
+          </p:cNvSpPr>
+          <p:nvPr>
+            <p:ph type="ftr" sz="quarter" idx="11"/>
+          </p:nvPr>
+        </p:nvSpPr>
+        <p:spPr>
+          <a:xfrm>
+            <a:off x="3686185" y="6459785"/>
+            <a:ext cx="4822804" cy="365125"/>
+          </a:xfrm>
+        </p:spPr>
+        <p:txBody>
+          <a:bodyPr>
+            <a:normAutofit/>
+          </a:bodyPr>
+          <a:lstStyle/>
+          <a:p>
+            <a:pPr>
+              <a:spcAft>
+                <a:spcPts val="600"/>
+              </a:spcAft>
+            </a:pPr>
+            <a:r>
+              <a:rPr lang="en-US"/>
+              <a:t>Add a footer</a:t>
+            </a:r>
+          </a:p>
+        </p:txBody>
+      </p:sp>
+    </p:spTree>
+    <p:extLst>
+      <p:ext uri="{BB962C8B-B14F-4D97-AF65-F5344CB8AC3E}">
+        <p14:creationId xmlns:p14="http://schemas.microsoft.com/office/powerpoint/2010/main" val="3594284460"/>
+      </p:ext>
+    </p:extLst>
+  </p:cSld>
+  <p:clrMapOvr>
+    <a:masterClrMapping/>
+  </p:clrMapOvr>
+  <mc:AlternateContent xmlns:mc="http://schemas.openxmlformats.org/markup-compatibility/2006">
+    <mc:Choice xmlns:p14="http://schemas.microsoft.com/office/powerpoint/2010/main" Requires="p14">
+      <p:transition spd="med" p14:dur="700">
+        <p:fade/>
+      </p:transition>
+    </mc:Choice>
+    <mc:Fallback>
+      <p:transition spd="med">
+        <p:fade/>
+      </p:transition>
+    </mc:Fallback>
+  </mc:AlternateContent>
+</p:sld>
+</file>
+
+<file path=ppt/slides/slide18.xml><?xml version="1.0" encoding="utf-8"?>
+<p:sld xmlns:a="http://schemas.openxmlformats.org/drawingml/2006/main" xmlns:r="http://schemas.openxmlformats.org/officeDocument/2006/relationships" xmlns:p="http://schemas.openxmlformats.org/presentationml/2006/main">
+  <p:cSld>
+    <p:spTree>
+      <p:nvGrpSpPr>
+        <p:cNvPr id="1" name=""/>
+        <p:cNvGrpSpPr/>
+        <p:nvPr/>
+      </p:nvGrpSpPr>
+      <p:grpSpPr>
+        <a:xfrm>
+          <a:off x="0" y="0"/>
+          <a:ext cx="0" cy="0"/>
+          <a:chOff x="0" y="0"/>
+          <a:chExt cx="0" cy="0"/>
+        </a:xfrm>
+      </p:grpSpPr>
+      <p:sp>
+        <p:nvSpPr>
+          <p:cNvPr id="2" name="Title 1">
+            <a:extLst>
+              <a:ext uri="{FF2B5EF4-FFF2-40B4-BE49-F238E27FC236}">
+                <a16:creationId xmlns:a16="http://schemas.microsoft.com/office/drawing/2014/main" id="{C8EC9533-5150-444C-A9DD-B859649CBD8D}"/>
+              </a:ext>
+            </a:extLst>
+          </p:cNvPr>
+          <p:cNvSpPr>
+            <a:spLocks noGrp="1"/>
+          </p:cNvSpPr>
+          <p:nvPr>
+            <p:ph type="title"/>
+          </p:nvPr>
+        </p:nvSpPr>
+        <p:spPr/>
+        <p:txBody>
+          <a:bodyPr/>
+          <a:lstStyle/>
+          <a:p>
+            <a:r>
+              <a:rPr lang="en-US" dirty="0"/>
+              <a:t>Current</a:t>
+            </a:r>
+          </a:p>
+        </p:txBody>
+      </p:sp>
+      <p:sp>
+        <p:nvSpPr>
+          <p:cNvPr id="3" name="Content Placeholder 2">
+            <a:extLst>
+              <a:ext uri="{FF2B5EF4-FFF2-40B4-BE49-F238E27FC236}">
+                <a16:creationId xmlns:a16="http://schemas.microsoft.com/office/drawing/2014/main" id="{AA3BE289-EA8D-42E9-A069-D70845CFEF55}"/>
+              </a:ext>
+            </a:extLst>
+          </p:cNvPr>
+          <p:cNvSpPr>
+            <a:spLocks noGrp="1"/>
+          </p:cNvSpPr>
+          <p:nvPr>
+            <p:ph idx="1"/>
+          </p:nvPr>
+        </p:nvSpPr>
+        <p:spPr/>
+        <p:txBody>
+          <a:bodyPr/>
+          <a:lstStyle/>
+          <a:p>
+            <a:pPr>
+              <a:buFont typeface="Wingdings" panose="05000000000000000000" pitchFamily="2" charset="2"/>
+              <a:buChar char="§"/>
+            </a:pPr>
+            <a:r>
+              <a:rPr lang="en-US" altLang="en-US" b="1" u="sng" dirty="0"/>
+              <a:t>Current:</a:t>
+            </a:r>
+            <a:r>
+              <a:rPr lang="en-US" altLang="en-US" dirty="0"/>
+              <a:t>  flow of charge (electrons) within a conductor or how fast charge is moving.</a:t>
+            </a:r>
+          </a:p>
+          <a:p>
+            <a:pPr>
+              <a:buFont typeface="Wingdings" panose="05000000000000000000" pitchFamily="2" charset="2"/>
+              <a:buChar char="§"/>
+            </a:pPr>
+            <a:r>
+              <a:rPr lang="en-US" altLang="en-US" dirty="0"/>
+              <a:t>Charge will only flow if there is a voltage source (potential difference).  </a:t>
+            </a:r>
+          </a:p>
+          <a:p>
+            <a:pPr>
+              <a:buFont typeface="Wingdings" panose="05000000000000000000" pitchFamily="2" charset="2"/>
+              <a:buChar char="§"/>
+            </a:pPr>
+            <a:r>
+              <a:rPr lang="en-US" altLang="en-US" b="1" dirty="0"/>
+              <a:t>Symbol for Current</a:t>
+            </a:r>
+            <a:r>
+              <a:rPr lang="en-US" altLang="en-US" dirty="0"/>
+              <a:t> = I</a:t>
+            </a:r>
+          </a:p>
+          <a:p>
+            <a:pPr>
+              <a:buFont typeface="Wingdings" panose="05000000000000000000" pitchFamily="2" charset="2"/>
+              <a:buChar char="§"/>
+            </a:pPr>
+            <a:r>
+              <a:rPr lang="en-US" altLang="en-US" b="1" dirty="0"/>
+              <a:t>Unit for Current</a:t>
+            </a:r>
+            <a:r>
+              <a:rPr lang="en-US" altLang="en-US" dirty="0"/>
+              <a:t> = Amps (A)</a:t>
+            </a:r>
+          </a:p>
+          <a:p>
+            <a:endParaRPr lang="en-US" dirty="0"/>
+          </a:p>
+        </p:txBody>
+      </p:sp>
+      <p:sp>
+        <p:nvSpPr>
+          <p:cNvPr id="4" name="Footer Placeholder 3">
+            <a:extLst>
+              <a:ext uri="{FF2B5EF4-FFF2-40B4-BE49-F238E27FC236}">
+                <a16:creationId xmlns:a16="http://schemas.microsoft.com/office/drawing/2014/main" id="{A8E0CEAA-F066-495E-965B-64A00386DD9E}"/>
+              </a:ext>
+            </a:extLst>
+          </p:cNvPr>
+          <p:cNvSpPr>
+            <a:spLocks noGrp="1"/>
+          </p:cNvSpPr>
+          <p:nvPr>
+            <p:ph type="ftr" sz="quarter" idx="11"/>
+          </p:nvPr>
+        </p:nvSpPr>
+        <p:spPr/>
+        <p:txBody>
+          <a:bodyPr/>
+          <a:lstStyle/>
+          <a:p>
+            <a:r>
+              <a:rPr lang="en-US"/>
+              <a:t>Add a footer</a:t>
+            </a:r>
+            <a:endParaRPr lang="en-US" dirty="0"/>
+          </a:p>
+        </p:txBody>
+      </p:sp>
+    </p:spTree>
+    <p:extLst>
+      <p:ext uri="{BB962C8B-B14F-4D97-AF65-F5344CB8AC3E}">
+        <p14:creationId xmlns:p14="http://schemas.microsoft.com/office/powerpoint/2010/main" val="2057596737"/>
+      </p:ext>
+    </p:extLst>
+  </p:cSld>
+  <p:clrMapOvr>
+    <a:masterClrMapping/>
+  </p:clrMapOvr>
+  <mc:AlternateContent xmlns:mc="http://schemas.openxmlformats.org/markup-compatibility/2006" xmlns:p14="http://schemas.microsoft.com/office/powerpoint/2010/main">
+    <mc:Choice Requires="p14">
+      <p:transition spd="med" p14:dur="700">
+        <p:fade/>
+      </p:transition>
+    </mc:Choice>
+    <mc:Fallback xmlns="">
+      <p:transition spd="med">
+        <p:fade/>
+      </p:transition>
+    </mc:Fallback>
+  </mc:AlternateContent>
+</p:sld>
+</file>
+
+<file path=ppt/slides/slide19.xml><?xml version="1.0" encoding="utf-8"?>
+<p:sld xmlns:a="http://schemas.openxmlformats.org/drawingml/2006/main" xmlns:r="http://schemas.openxmlformats.org/officeDocument/2006/relationships" xmlns:p="http://schemas.openxmlformats.org/presentationml/2006/main">
+  <p:cSld>
+    <p:bg>
+      <p:bgPr>
+        <a:solidFill>
+          <a:schemeClr val="bg1"/>
+        </a:solidFill>
+        <a:effectLst/>
+      </p:bgPr>
+    </p:bg>
+    <p:spTree>
+      <p:nvGrpSpPr>
+        <p:cNvPr id="1" name=""/>
+        <p:cNvGrpSpPr/>
+        <p:nvPr/>
+      </p:nvGrpSpPr>
+      <p:grpSpPr>
+        <a:xfrm>
+          <a:off x="0" y="0"/>
+          <a:ext cx="0" cy="0"/>
+          <a:chOff x="0" y="0"/>
+          <a:chExt cx="0" cy="0"/>
+        </a:xfrm>
+      </p:grpSpPr>
+      <p:sp useBgFill="1">
+        <p:nvSpPr>
+          <p:cNvPr id="10" name="Rectangle 9">
+            <a:extLst>
+              <a:ext uri="{FF2B5EF4-FFF2-40B4-BE49-F238E27FC236}">
+                <a16:creationId xmlns:a16="http://schemas.microsoft.com/office/drawing/2014/main" id="{C5138816-AF06-47EE-964C-EC93C016D5F6}"/>
+              </a:ext>
+              <a:ext uri="{C183D7F6-B498-43B3-948B-1728B52AA6E4}">
+                <adec:decorative xmlns:adec="http://schemas.microsoft.com/office/drawing/2017/decorative" val="1"/>
+              </a:ext>
+            </a:extLst>
+          </p:cNvPr>
+          <p:cNvSpPr>
+            <a:spLocks noGrp="1" noRot="1" noChangeAspect="1" noMove="1" noResize="1" noEditPoints="1" noAdjustHandles="1" noChangeArrowheads="1" noChangeShapeType="1" noTextEdit="1"/>
+          </p:cNvSpPr>
+          <p:nvPr>
+            <p:extLst>
+              <p:ext uri="{386F3935-93C4-4BCD-93E2-E3B085C9AB24}">
+                <p16:designElem xmlns:p16="http://schemas.microsoft.com/office/powerpoint/2015/main" val="1"/>
+              </p:ext>
+            </p:extLst>
+          </p:nvPr>
+        </p:nvSpPr>
+        <p:spPr>
+          <a:xfrm>
+            <a:off x="0" y="0"/>
+            <a:ext cx="12192001" cy="6334316"/>
+          </a:xfrm>
+          <a:prstGeom prst="rect">
+            <a:avLst/>
+          </a:prstGeom>
+          <a:ln>
+            <a:noFill/>
+          </a:ln>
+        </p:spPr>
+        <p:style>
+          <a:lnRef idx="2">
+            <a:schemeClr val="accent1">
+              <a:shade val="50000"/>
+            </a:schemeClr>
+          </a:lnRef>
+          <a:fillRef idx="1">
+            <a:schemeClr val="accent1"/>
+          </a:fillRef>
+          <a:effectRef idx="0">
+            <a:schemeClr val="accent1"/>
+          </a:effectRef>
+          <a:fontRef idx="minor">
+            <a:schemeClr val="lt1"/>
+          </a:fontRef>
+        </p:style>
+        <p:txBody>
+          <a:bodyPr rtlCol="0" anchor="ctr"/>
+          <a:lstStyle/>
+          <a:p>
+            <a:pPr algn="ctr"/>
+            <a:endParaRPr lang="en-US"/>
+          </a:p>
+        </p:txBody>
+      </p:sp>
+      <p:sp>
+        <p:nvSpPr>
+          <p:cNvPr id="2" name="Title 1">
+            <a:extLst>
+              <a:ext uri="{FF2B5EF4-FFF2-40B4-BE49-F238E27FC236}">
+                <a16:creationId xmlns:a16="http://schemas.microsoft.com/office/drawing/2014/main" id="{F8D41198-F155-4137-A937-893810F8A63E}"/>
+              </a:ext>
+            </a:extLst>
+          </p:cNvPr>
+          <p:cNvSpPr>
+            <a:spLocks noGrp="1"/>
+          </p:cNvSpPr>
+          <p:nvPr>
+            <p:ph type="title"/>
+          </p:nvPr>
+        </p:nvSpPr>
+        <p:spPr>
+          <a:xfrm>
+            <a:off x="4974771" y="634946"/>
+            <a:ext cx="6574972" cy="1450757"/>
+          </a:xfrm>
+        </p:spPr>
+        <p:txBody>
+          <a:bodyPr>
+            <a:normAutofit/>
+          </a:bodyPr>
+          <a:lstStyle/>
+          <a:p>
+            <a:r>
+              <a:rPr lang="en-US" dirty="0"/>
+              <a:t>André Ampère </a:t>
+            </a:r>
+            <a:br>
+              <a:rPr lang="en-US" dirty="0"/>
+            </a:br>
+            <a:r>
+              <a:rPr lang="en-US" dirty="0"/>
+              <a:t>(1775 – 1836)</a:t>
+            </a:r>
+          </a:p>
+        </p:txBody>
+      </p:sp>
+      <p:pic>
+        <p:nvPicPr>
+          <p:cNvPr id="5" name="Picture 4" descr="225px-Ampere_Andre_1825">
+            <a:hlinkClick r:id="rId2" tooltip="André-Marie Ampère (1775-1836)"/>
+            <a:extLst>
+              <a:ext uri="{FF2B5EF4-FFF2-40B4-BE49-F238E27FC236}">
+                <a16:creationId xmlns:a16="http://schemas.microsoft.com/office/drawing/2014/main" id="{70EC16BC-5DD3-46D2-AF1D-7DCA3672641E}"/>
+              </a:ext>
+            </a:extLst>
+          </p:cNvPr>
+          <p:cNvPicPr>
+            <a:picLocks noChangeAspect="1" noChangeArrowheads="1"/>
+          </p:cNvPicPr>
+          <p:nvPr/>
+        </p:nvPicPr>
+        <p:blipFill rotWithShape="1">
+          <a:blip r:embed="rId3">
+            <a:extLst>
+              <a:ext uri="{28A0092B-C50C-407E-A947-70E740481C1C}">
+                <a14:useLocalDpi xmlns:a14="http://schemas.microsoft.com/office/drawing/2010/main" val="0"/>
+              </a:ext>
+            </a:extLst>
+          </a:blip>
+          <a:srcRect r="2" b="1700"/>
+          <a:stretch/>
+        </p:blipFill>
+        <p:spPr bwMode="auto">
+          <a:xfrm>
+            <a:off x="633999" y="640081"/>
+            <a:ext cx="4001315" cy="5314406"/>
+          </a:xfrm>
+          <a:prstGeom prst="rect">
+            <a:avLst/>
+          </a:prstGeom>
+          <a:noFill/>
+          <a:extLst>
+            <a:ext uri="{909E8E84-426E-40DD-AFC4-6F175D3DCCD1}">
+              <a14:hiddenFill xmlns:a14="http://schemas.microsoft.com/office/drawing/2010/main">
+                <a:solidFill>
+                  <a:srgbClr val="FFFFFF"/>
+                </a:solidFill>
+              </a14:hiddenFill>
+            </a:ext>
+            <a:ext uri="{91240B29-F687-4F45-9708-019B960494DF}">
+              <a14:hiddenLine xmlns:a14="http://schemas.microsoft.com/office/drawing/2010/main" w="9525">
+                <a:solidFill>
+                  <a:srgbClr val="000000"/>
+                </a:solidFill>
+                <a:miter lim="800000"/>
+                <a:headEnd/>
+                <a:tailEnd/>
+              </a14:hiddenLine>
+            </a:ext>
+          </a:extLst>
+        </p:spPr>
+      </p:pic>
+      <p:cxnSp>
+        <p:nvCxnSpPr>
+          <p:cNvPr id="12" name="Straight Connector 11">
+            <a:extLst>
+              <a:ext uri="{FF2B5EF4-FFF2-40B4-BE49-F238E27FC236}">
+                <a16:creationId xmlns:a16="http://schemas.microsoft.com/office/drawing/2014/main" id="{87ED8B4E-BB7E-447F-A35F-4D3AF6C0A693}"/>
+              </a:ext>
+              <a:ext uri="{C183D7F6-B498-43B3-948B-1728B52AA6E4}">
+                <adec:decorative xmlns:adec="http://schemas.microsoft.com/office/drawing/2017/decorative" val="1"/>
+              </a:ext>
+            </a:extLst>
+          </p:cNvPr>
+          <p:cNvCxnSpPr>
+            <a:cxnSpLocks noGrp="1" noRot="1" noChangeAspect="1" noMove="1" noResize="1" noEditPoints="1" noAdjustHandles="1" noChangeArrowheads="1" noChangeShapeType="1"/>
+          </p:cNvCxnSpPr>
+          <p:nvPr>
+            <p:extLst>
+              <p:ext uri="{386F3935-93C4-4BCD-93E2-E3B085C9AB24}">
+                <p16:designElem xmlns:p16="http://schemas.microsoft.com/office/powerpoint/2015/main" val="1"/>
+              </p:ext>
+            </p:extLst>
+          </p:nvPr>
+        </p:nvCxnSpPr>
+        <p:spPr>
+          <a:xfrm>
+            <a:off x="4974770" y="2086188"/>
+            <a:ext cx="6089768" cy="0"/>
+          </a:xfrm>
+          <a:prstGeom prst="line">
+            <a:avLst/>
+          </a:prstGeom>
+          <a:ln w="6350">
+            <a:solidFill>
+              <a:schemeClr val="tx1">
+                <a:lumMod val="50000"/>
+                <a:lumOff val="50000"/>
+                <a:alpha val="90000"/>
+              </a:schemeClr>
+            </a:solidFill>
+          </a:ln>
+        </p:spPr>
+        <p:style>
+          <a:lnRef idx="1">
+            <a:schemeClr val="accent1"/>
+          </a:lnRef>
+          <a:fillRef idx="0">
+            <a:schemeClr val="accent1"/>
+          </a:fillRef>
+          <a:effectRef idx="0">
+            <a:schemeClr val="accent1"/>
+          </a:effectRef>
+          <a:fontRef idx="minor">
+            <a:schemeClr val="tx1"/>
+          </a:fontRef>
+        </p:style>
+      </p:cxnSp>
+      <p:sp>
+        <p:nvSpPr>
+          <p:cNvPr id="3" name="Content Placeholder 2">
+            <a:extLst>
+              <a:ext uri="{FF2B5EF4-FFF2-40B4-BE49-F238E27FC236}">
+                <a16:creationId xmlns:a16="http://schemas.microsoft.com/office/drawing/2014/main" id="{C7FD0496-12B8-4BB9-8F13-CB7B353C1098}"/>
+              </a:ext>
+            </a:extLst>
+          </p:cNvPr>
+          <p:cNvSpPr>
+            <a:spLocks noGrp="1"/>
+          </p:cNvSpPr>
+          <p:nvPr>
+            <p:ph idx="1"/>
+          </p:nvPr>
+        </p:nvSpPr>
+        <p:spPr>
+          <a:xfrm>
+            <a:off x="4974769" y="2198914"/>
+            <a:ext cx="6574973" cy="3670180"/>
+          </a:xfrm>
+        </p:spPr>
+        <p:txBody>
+          <a:bodyPr>
+            <a:normAutofit/>
+          </a:bodyPr>
+          <a:lstStyle/>
+          <a:p>
+            <a:pPr>
+              <a:buFont typeface="Wingdings" panose="05000000000000000000" pitchFamily="2" charset="2"/>
+              <a:buChar char="§"/>
+            </a:pPr>
+            <a:r>
+              <a:rPr lang="en-US" altLang="en-US" dirty="0"/>
+              <a:t>French physicist and mathematician. </a:t>
+            </a:r>
+          </a:p>
+          <a:p>
+            <a:pPr>
+              <a:buFont typeface="Wingdings" panose="05000000000000000000" pitchFamily="2" charset="2"/>
+              <a:buChar char="§"/>
+            </a:pPr>
+            <a:r>
+              <a:rPr lang="en-US" altLang="en-US" dirty="0"/>
+              <a:t>One of the main discoverers of electromagnetism.</a:t>
+            </a:r>
+          </a:p>
+          <a:p>
+            <a:pPr>
+              <a:buFont typeface="Wingdings" panose="05000000000000000000" pitchFamily="2" charset="2"/>
+              <a:buChar char="§"/>
+            </a:pPr>
+            <a:r>
+              <a:rPr lang="en-US" altLang="en-US" dirty="0"/>
+              <a:t>SI unit of measurement of electric current, the ampere, is named after him.</a:t>
+            </a:r>
+          </a:p>
+          <a:p>
+            <a:endParaRPr lang="en-US" dirty="0"/>
+          </a:p>
+        </p:txBody>
+      </p:sp>
+      <p:sp>
+        <p:nvSpPr>
+          <p:cNvPr id="14" name="Rectangle 13">
+            <a:extLst>
+              <a:ext uri="{FF2B5EF4-FFF2-40B4-BE49-F238E27FC236}">
+                <a16:creationId xmlns:a16="http://schemas.microsoft.com/office/drawing/2014/main" id="{10DC0642-5384-4897-BC9B-E85F63D7BC60}"/>
+              </a:ext>
+              <a:ext uri="{C183D7F6-B498-43B3-948B-1728B52AA6E4}">
+                <adec:decorative xmlns:adec="http://schemas.microsoft.com/office/drawing/2017/decorative" val="1"/>
+              </a:ext>
+            </a:extLst>
+          </p:cNvPr>
+          <p:cNvSpPr>
+            <a:spLocks noGrp="1" noRot="1" noChangeAspect="1" noMove="1" noResize="1" noEditPoints="1" noAdjustHandles="1" noChangeArrowheads="1" noChangeShapeType="1" noTextEdit="1"/>
+          </p:cNvSpPr>
+          <p:nvPr>
+            <p:extLst>
+              <p:ext uri="{386F3935-93C4-4BCD-93E2-E3B085C9AB24}">
+                <p16:designElem xmlns:p16="http://schemas.microsoft.com/office/powerpoint/2015/main" val="1"/>
+              </p:ext>
+            </p:extLst>
+          </p:nvPr>
+        </p:nvSpPr>
+        <p:spPr>
+          <a:xfrm>
+            <a:off x="15" y="6334316"/>
+            <a:ext cx="12191985" cy="66484"/>
+          </a:xfrm>
+          <a:prstGeom prst="rect">
+            <a:avLst/>
+          </a:prstGeom>
+          <a:solidFill>
+            <a:schemeClr val="accent1"/>
+          </a:solidFill>
+          <a:ln>
+            <a:noFill/>
+          </a:ln>
+        </p:spPr>
+        <p:style>
+          <a:lnRef idx="2">
+            <a:schemeClr val="accent1">
+              <a:shade val="50000"/>
+            </a:schemeClr>
+          </a:lnRef>
+          <a:fillRef idx="1">
+            <a:schemeClr val="accent1"/>
+          </a:fillRef>
+          <a:effectRef idx="0">
+            <a:schemeClr val="accent1"/>
+          </a:effectRef>
+          <a:fontRef idx="minor">
+            <a:schemeClr val="lt1"/>
+          </a:fontRef>
+        </p:style>
+      </p:sp>
+      <p:sp>
+        <p:nvSpPr>
+          <p:cNvPr id="16" name="Rectangle 15">
+            <a:extLst>
+              <a:ext uri="{FF2B5EF4-FFF2-40B4-BE49-F238E27FC236}">
+                <a16:creationId xmlns:a16="http://schemas.microsoft.com/office/drawing/2014/main" id="{26015513-D3C4-4477-AA12-D8FF240AA3E6}"/>
+              </a:ext>
+              <a:ext uri="{C183D7F6-B498-43B3-948B-1728B52AA6E4}">
+                <adec:decorative xmlns:adec="http://schemas.microsoft.com/office/drawing/2017/decorative" val="1"/>
+              </a:ext>
+            </a:extLst>
+          </p:cNvPr>
+          <p:cNvSpPr>
+            <a:spLocks noGrp="1" noRot="1" noChangeAspect="1" noMove="1" noResize="1" noEditPoints="1" noAdjustHandles="1" noChangeArrowheads="1" noChangeShapeType="1" noTextEdit="1"/>
+          </p:cNvSpPr>
+          <p:nvPr>
+            <p:extLst>
+              <p:ext uri="{386F3935-93C4-4BCD-93E2-E3B085C9AB24}">
+                <p16:designElem xmlns:p16="http://schemas.microsoft.com/office/powerpoint/2015/main" val="1"/>
+              </p:ext>
+            </p:extLst>
+          </p:nvPr>
+        </p:nvSpPr>
+        <p:spPr>
+          <a:xfrm>
+            <a:off x="1" y="6400800"/>
+            <a:ext cx="12192000" cy="457200"/>
+          </a:xfrm>
+          <a:prstGeom prst="rect">
+            <a:avLst/>
+          </a:prstGeom>
+          <a:solidFill>
+            <a:schemeClr val="accent2"/>
+          </a:solidFill>
+          <a:ln>
+            <a:noFill/>
+          </a:ln>
+        </p:spPr>
+        <p:style>
+          <a:lnRef idx="2">
+            <a:schemeClr val="accent1">
+              <a:shade val="50000"/>
+            </a:schemeClr>
+          </a:lnRef>
+          <a:fillRef idx="1">
+            <a:schemeClr val="accent1"/>
+          </a:fillRef>
+          <a:effectRef idx="0">
+            <a:schemeClr val="accent1"/>
+          </a:effectRef>
+          <a:fontRef idx="minor">
+            <a:schemeClr val="lt1"/>
+          </a:fontRef>
+        </p:style>
+      </p:sp>
+      <p:sp>
+        <p:nvSpPr>
+          <p:cNvPr id="4" name="Footer Placeholder 3">
+            <a:extLst>
+              <a:ext uri="{FF2B5EF4-FFF2-40B4-BE49-F238E27FC236}">
+                <a16:creationId xmlns:a16="http://schemas.microsoft.com/office/drawing/2014/main" id="{C4DE14EE-44BB-4F09-BF98-4EDD94319FC2}"/>
+              </a:ext>
+            </a:extLst>
+          </p:cNvPr>
+          <p:cNvSpPr>
+            <a:spLocks noGrp="1"/>
+          </p:cNvSpPr>
+          <p:nvPr>
+            <p:ph type="ftr" sz="quarter" idx="11"/>
+          </p:nvPr>
+        </p:nvSpPr>
+        <p:spPr>
+          <a:xfrm>
+            <a:off x="3686185" y="6459785"/>
+            <a:ext cx="4822804" cy="365125"/>
+          </a:xfrm>
+        </p:spPr>
+        <p:txBody>
+          <a:bodyPr>
+            <a:normAutofit/>
+          </a:bodyPr>
+          <a:lstStyle/>
+          <a:p>
+            <a:pPr>
+              <a:spcAft>
+                <a:spcPts val="600"/>
+              </a:spcAft>
+            </a:pPr>
+            <a:r>
+              <a:rPr lang="en-US"/>
+              <a:t>Add a footer</a:t>
+            </a:r>
+          </a:p>
+        </p:txBody>
+      </p:sp>
+    </p:spTree>
+    <p:extLst>
+      <p:ext uri="{BB962C8B-B14F-4D97-AF65-F5344CB8AC3E}">
+        <p14:creationId xmlns:p14="http://schemas.microsoft.com/office/powerpoint/2010/main" val="55137588"/>
+      </p:ext>
+    </p:extLst>
+  </p:cSld>
+  <p:clrMapOvr>
+    <a:masterClrMapping/>
+  </p:clrMapOvr>
+  <mc:AlternateContent xmlns:mc="http://schemas.openxmlformats.org/markup-compatibility/2006">
+    <mc:Choice xmlns:p14="http://schemas.microsoft.com/office/powerpoint/2010/main" Requires="p14">
+      <p:transition spd="med" p14:dur="700">
+        <p:fade/>
+      </p:transition>
+    </mc:Choice>
+    <mc:Fallback>
+      <p:transition spd="med">
+        <p:fade/>
+      </p:transition>
+    </mc:Fallback>
+  </mc:AlternateContent>
+</p:sld>
+</file>
+
 <file path=ppt/slides/slide2.xml><?xml version="1.0" encoding="utf-8"?>
 <p:sld xmlns:a="http://schemas.openxmlformats.org/drawingml/2006/main" xmlns:r="http://schemas.openxmlformats.org/officeDocument/2006/relationships" xmlns:p="http://schemas.openxmlformats.org/presentationml/2006/main">
   <p:cSld>
@@ -6800,6 +8624,462 @@
       </p:transition>
     </mc:Choice>
     <mc:Fallback xmlns="">
+      <p:transition spd="med">
+        <p:fade/>
+      </p:transition>
+    </mc:Fallback>
+  </mc:AlternateContent>
+</p:sld>
+</file>
+
+<file path=ppt/slides/slide20.xml><?xml version="1.0" encoding="utf-8"?>
+<p:sld xmlns:a="http://schemas.openxmlformats.org/drawingml/2006/main" xmlns:r="http://schemas.openxmlformats.org/officeDocument/2006/relationships" xmlns:p="http://schemas.openxmlformats.org/presentationml/2006/main">
+  <p:cSld>
+    <p:bg>
+      <p:bgPr>
+        <a:solidFill>
+          <a:schemeClr val="bg1"/>
+        </a:solidFill>
+        <a:effectLst/>
+      </p:bgPr>
+    </p:bg>
+    <p:spTree>
+      <p:nvGrpSpPr>
+        <p:cNvPr id="1" name=""/>
+        <p:cNvGrpSpPr/>
+        <p:nvPr/>
+      </p:nvGrpSpPr>
+      <p:grpSpPr>
+        <a:xfrm>
+          <a:off x="0" y="0"/>
+          <a:ext cx="0" cy="0"/>
+          <a:chOff x="0" y="0"/>
+          <a:chExt cx="0" cy="0"/>
+        </a:xfrm>
+      </p:grpSpPr>
+      <p:sp useBgFill="1">
+        <p:nvSpPr>
+          <p:cNvPr id="18" name="Rectangle 9">
+            <a:extLst>
+              <a:ext uri="{FF2B5EF4-FFF2-40B4-BE49-F238E27FC236}">
+                <a16:creationId xmlns:a16="http://schemas.microsoft.com/office/drawing/2014/main" id="{311973C2-EB8B-452A-A698-4A252FD3AE28}"/>
+              </a:ext>
+              <a:ext uri="{C183D7F6-B498-43B3-948B-1728B52AA6E4}">
+                <adec:decorative xmlns:adec="http://schemas.microsoft.com/office/drawing/2017/decorative" val="1"/>
+              </a:ext>
+            </a:extLst>
+          </p:cNvPr>
+          <p:cNvSpPr>
+            <a:spLocks noGrp="1" noRot="1" noChangeAspect="1" noMove="1" noResize="1" noEditPoints="1" noAdjustHandles="1" noChangeArrowheads="1" noChangeShapeType="1" noTextEdit="1"/>
+          </p:cNvSpPr>
+          <p:nvPr>
+            <p:extLst>
+              <p:ext uri="{386F3935-93C4-4BCD-93E2-E3B085C9AB24}">
+                <p16:designElem xmlns:p16="http://schemas.microsoft.com/office/powerpoint/2015/main" val="1"/>
+              </p:ext>
+            </p:extLst>
+          </p:nvPr>
+        </p:nvSpPr>
+        <p:spPr>
+          <a:xfrm>
+            <a:off x="0" y="1"/>
+            <a:ext cx="12192000" cy="6857999"/>
+          </a:xfrm>
+          <a:prstGeom prst="rect">
+            <a:avLst/>
+          </a:prstGeom>
+          <a:ln>
+            <a:noFill/>
+          </a:ln>
+        </p:spPr>
+        <p:style>
+          <a:lnRef idx="2">
+            <a:schemeClr val="accent1">
+              <a:shade val="50000"/>
+            </a:schemeClr>
+          </a:lnRef>
+          <a:fillRef idx="1">
+            <a:schemeClr val="accent1"/>
+          </a:fillRef>
+          <a:effectRef idx="0">
+            <a:schemeClr val="accent1"/>
+          </a:effectRef>
+          <a:fontRef idx="minor">
+            <a:schemeClr val="lt1"/>
+          </a:fontRef>
+        </p:style>
+        <p:txBody>
+          <a:bodyPr rtlCol="0" anchor="ctr"/>
+          <a:lstStyle/>
+          <a:p>
+            <a:pPr algn="ctr"/>
+            <a:endParaRPr lang="en-US"/>
+          </a:p>
+        </p:txBody>
+      </p:sp>
+      <p:sp useBgFill="1">
+        <p:nvSpPr>
+          <p:cNvPr id="19" name="Rectangle 11">
+            <a:extLst>
+              <a:ext uri="{FF2B5EF4-FFF2-40B4-BE49-F238E27FC236}">
+                <a16:creationId xmlns:a16="http://schemas.microsoft.com/office/drawing/2014/main" id="{10162E77-11AD-44A7-84EC-40C59EEFBD2E}"/>
+              </a:ext>
+              <a:ext uri="{C183D7F6-B498-43B3-948B-1728B52AA6E4}">
+                <adec:decorative xmlns:adec="http://schemas.microsoft.com/office/drawing/2017/decorative" val="1"/>
+              </a:ext>
+            </a:extLst>
+          </p:cNvPr>
+          <p:cNvSpPr>
+            <a:spLocks noGrp="1" noRot="1" noChangeAspect="1" noMove="1" noResize="1" noEditPoints="1" noAdjustHandles="1" noChangeArrowheads="1" noChangeShapeType="1" noTextEdit="1"/>
+          </p:cNvSpPr>
+          <p:nvPr>
+            <p:extLst>
+              <p:ext uri="{386F3935-93C4-4BCD-93E2-E3B085C9AB24}">
+                <p16:designElem xmlns:p16="http://schemas.microsoft.com/office/powerpoint/2015/main" val="1"/>
+              </p:ext>
+            </p:extLst>
+          </p:nvPr>
+        </p:nvSpPr>
+        <p:spPr>
+          <a:xfrm>
+            <a:off x="0" y="0"/>
+            <a:ext cx="12192001" cy="6334316"/>
+          </a:xfrm>
+          <a:prstGeom prst="rect">
+            <a:avLst/>
+          </a:prstGeom>
+          <a:ln>
+            <a:noFill/>
+          </a:ln>
+        </p:spPr>
+        <p:style>
+          <a:lnRef idx="2">
+            <a:schemeClr val="accent1">
+              <a:shade val="50000"/>
+            </a:schemeClr>
+          </a:lnRef>
+          <a:fillRef idx="1">
+            <a:schemeClr val="accent1"/>
+          </a:fillRef>
+          <a:effectRef idx="0">
+            <a:schemeClr val="accent1"/>
+          </a:effectRef>
+          <a:fontRef idx="minor">
+            <a:schemeClr val="lt1"/>
+          </a:fontRef>
+        </p:style>
+        <p:txBody>
+          <a:bodyPr rtlCol="0" anchor="ctr"/>
+          <a:lstStyle/>
+          <a:p>
+            <a:pPr algn="ctr"/>
+            <a:endParaRPr lang="en-US"/>
+          </a:p>
+        </p:txBody>
+      </p:sp>
+      <p:sp>
+        <p:nvSpPr>
+          <p:cNvPr id="2" name="Title 1">
+            <a:extLst>
+              <a:ext uri="{FF2B5EF4-FFF2-40B4-BE49-F238E27FC236}">
+                <a16:creationId xmlns:a16="http://schemas.microsoft.com/office/drawing/2014/main" id="{46B693E7-D893-42DA-9EF2-E98784286D58}"/>
+              </a:ext>
+            </a:extLst>
+          </p:cNvPr>
+          <p:cNvSpPr>
+            <a:spLocks noGrp="1"/>
+          </p:cNvSpPr>
+          <p:nvPr>
+            <p:ph type="title"/>
+          </p:nvPr>
+        </p:nvSpPr>
+        <p:spPr>
+          <a:xfrm>
+            <a:off x="5181601" y="634946"/>
+            <a:ext cx="6368142" cy="1450757"/>
+          </a:xfrm>
+        </p:spPr>
+        <p:txBody>
+          <a:bodyPr>
+            <a:normAutofit/>
+          </a:bodyPr>
+          <a:lstStyle/>
+          <a:p>
+            <a:r>
+              <a:rPr lang="en-US" dirty="0"/>
+              <a:t>Resistance</a:t>
+            </a:r>
+          </a:p>
+        </p:txBody>
+      </p:sp>
+      <p:pic>
+        <p:nvPicPr>
+          <p:cNvPr id="5" name="Picture 4" descr="MP900382847[1]">
+            <a:extLst>
+              <a:ext uri="{FF2B5EF4-FFF2-40B4-BE49-F238E27FC236}">
+                <a16:creationId xmlns:a16="http://schemas.microsoft.com/office/drawing/2014/main" id="{08498169-0B0C-4832-A115-29A895DB8C0A}"/>
+              </a:ext>
+            </a:extLst>
+          </p:cNvPr>
+          <p:cNvPicPr>
+            <a:picLocks noChangeAspect="1" noChangeArrowheads="1"/>
+          </p:cNvPicPr>
+          <p:nvPr/>
+        </p:nvPicPr>
+        <p:blipFill rotWithShape="1">
+          <a:blip r:embed="rId2">
+            <a:extLst>
+              <a:ext uri="{28A0092B-C50C-407E-A947-70E740481C1C}">
+                <a14:useLocalDpi xmlns:a14="http://schemas.microsoft.com/office/drawing/2010/main" val="0"/>
+              </a:ext>
+            </a:extLst>
+          </a:blip>
+          <a:srcRect r="5248" b="-2"/>
+          <a:stretch/>
+        </p:blipFill>
+        <p:spPr bwMode="auto">
+          <a:xfrm>
+            <a:off x="20" y="-12128"/>
+            <a:ext cx="4654276" cy="6870127"/>
+          </a:xfrm>
+          <a:prstGeom prst="rect">
+            <a:avLst/>
+          </a:prstGeom>
+          <a:noFill/>
+          <a:extLst>
+            <a:ext uri="{909E8E84-426E-40DD-AFC4-6F175D3DCCD1}">
+              <a14:hiddenFill xmlns:a14="http://schemas.microsoft.com/office/drawing/2010/main">
+                <a:solidFill>
+                  <a:srgbClr val="FFFFFF"/>
+                </a:solidFill>
+              </a14:hiddenFill>
+            </a:ext>
+            <a:ext uri="{91240B29-F687-4F45-9708-019B960494DF}">
+              <a14:hiddenLine xmlns:a14="http://schemas.microsoft.com/office/drawing/2010/main" w="9525">
+                <a:solidFill>
+                  <a:srgbClr val="000000"/>
+                </a:solidFill>
+                <a:miter lim="800000"/>
+                <a:headEnd/>
+                <a:tailEnd/>
+              </a14:hiddenLine>
+            </a:ext>
+          </a:extLst>
+        </p:spPr>
+      </p:pic>
+      <p:cxnSp>
+        <p:nvCxnSpPr>
+          <p:cNvPr id="20" name="Straight Connector 13">
+            <a:extLst>
+              <a:ext uri="{FF2B5EF4-FFF2-40B4-BE49-F238E27FC236}">
+                <a16:creationId xmlns:a16="http://schemas.microsoft.com/office/drawing/2014/main" id="{5AB158E9-1B40-4CD6-95F0-95CA11DF7B7A}"/>
+              </a:ext>
+              <a:ext uri="{C183D7F6-B498-43B3-948B-1728B52AA6E4}">
+                <adec:decorative xmlns:adec="http://schemas.microsoft.com/office/drawing/2017/decorative" val="1"/>
+              </a:ext>
+            </a:extLst>
+          </p:cNvPr>
+          <p:cNvCxnSpPr>
+            <a:cxnSpLocks noGrp="1" noRot="1" noChangeAspect="1" noMove="1" noResize="1" noEditPoints="1" noAdjustHandles="1" noChangeArrowheads="1" noChangeShapeType="1"/>
+          </p:cNvCxnSpPr>
+          <p:nvPr>
+            <p:extLst>
+              <p:ext uri="{386F3935-93C4-4BCD-93E2-E3B085C9AB24}">
+                <p16:designElem xmlns:p16="http://schemas.microsoft.com/office/powerpoint/2015/main" val="1"/>
+              </p:ext>
+            </p:extLst>
+          </p:nvPr>
+        </p:nvCxnSpPr>
+        <p:spPr>
+          <a:xfrm>
+            <a:off x="5287617" y="2085703"/>
+            <a:ext cx="6170686" cy="0"/>
+          </a:xfrm>
+          <a:prstGeom prst="line">
+            <a:avLst/>
+          </a:prstGeom>
+          <a:ln w="6350">
+            <a:solidFill>
+              <a:schemeClr val="tx1">
+                <a:lumMod val="50000"/>
+                <a:lumOff val="50000"/>
+                <a:alpha val="90000"/>
+              </a:schemeClr>
+            </a:solidFill>
+          </a:ln>
+        </p:spPr>
+        <p:style>
+          <a:lnRef idx="1">
+            <a:schemeClr val="accent1"/>
+          </a:lnRef>
+          <a:fillRef idx="0">
+            <a:schemeClr val="accent1"/>
+          </a:fillRef>
+          <a:effectRef idx="0">
+            <a:schemeClr val="accent1"/>
+          </a:effectRef>
+          <a:fontRef idx="minor">
+            <a:schemeClr val="tx1"/>
+          </a:fontRef>
+        </p:style>
+      </p:cxnSp>
+      <p:sp>
+        <p:nvSpPr>
+          <p:cNvPr id="3" name="Content Placeholder 2">
+            <a:extLst>
+              <a:ext uri="{FF2B5EF4-FFF2-40B4-BE49-F238E27FC236}">
+                <a16:creationId xmlns:a16="http://schemas.microsoft.com/office/drawing/2014/main" id="{EF712D6A-223E-4058-816B-0BE5BAAECB51}"/>
+              </a:ext>
+            </a:extLst>
+          </p:cNvPr>
+          <p:cNvSpPr>
+            <a:spLocks noGrp="1"/>
+          </p:cNvSpPr>
+          <p:nvPr>
+            <p:ph idx="1"/>
+          </p:nvPr>
+        </p:nvSpPr>
+        <p:spPr>
+          <a:xfrm>
+            <a:off x="5181601" y="2198914"/>
+            <a:ext cx="6368142" cy="3670180"/>
+          </a:xfrm>
+        </p:spPr>
+        <p:txBody>
+          <a:bodyPr>
+            <a:normAutofit/>
+          </a:bodyPr>
+          <a:lstStyle/>
+          <a:p>
+            <a:pPr>
+              <a:buFont typeface="Wingdings" panose="05000000000000000000" pitchFamily="2" charset="2"/>
+              <a:buChar char="§"/>
+            </a:pPr>
+            <a:r>
+              <a:rPr lang="en-US" altLang="en-US" b="1" u="sng" dirty="0"/>
+              <a:t>Resistance:</a:t>
+            </a:r>
+            <a:r>
+              <a:rPr lang="en-US" altLang="en-US" dirty="0"/>
+              <a:t> opposes the push from the voltage source. Resistance affects the speed of the current.</a:t>
+            </a:r>
+          </a:p>
+          <a:p>
+            <a:pPr>
+              <a:buFont typeface="Wingdings" panose="05000000000000000000" pitchFamily="2" charset="2"/>
+              <a:buChar char="§"/>
+            </a:pPr>
+            <a:r>
+              <a:rPr lang="en-US" altLang="en-US" b="1" dirty="0"/>
+              <a:t>Symbol for Resistance </a:t>
+            </a:r>
+            <a:r>
+              <a:rPr lang="en-US" altLang="en-US" dirty="0"/>
+              <a:t>= R</a:t>
+            </a:r>
+          </a:p>
+          <a:p>
+            <a:pPr>
+              <a:buFont typeface="Wingdings" panose="05000000000000000000" pitchFamily="2" charset="2"/>
+              <a:buChar char="§"/>
+            </a:pPr>
+            <a:r>
+              <a:rPr lang="en-US" altLang="en-US" b="1" dirty="0"/>
+              <a:t>Unit for Resistance </a:t>
+            </a:r>
+            <a:r>
+              <a:rPr lang="en-US" altLang="en-US" dirty="0"/>
+              <a:t>= Ohms (</a:t>
+            </a:r>
+            <a:r>
+              <a:rPr lang="el-GR" altLang="en-US" dirty="0">
+                <a:cs typeface="Arial" panose="020B0604020202020204" pitchFamily="34" charset="0"/>
+              </a:rPr>
+              <a:t>Ώ</a:t>
+            </a:r>
+            <a:r>
+              <a:rPr lang="en-US" altLang="en-US" dirty="0">
+                <a:cs typeface="Arial" panose="020B0604020202020204" pitchFamily="34" charset="0"/>
+              </a:rPr>
+              <a:t>)</a:t>
+            </a:r>
+            <a:r>
+              <a:rPr lang="en-US" altLang="en-US" dirty="0"/>
+              <a:t> </a:t>
+            </a:r>
+            <a:endParaRPr lang="en-US" altLang="en-US" dirty="0">
+              <a:cs typeface="Arial" panose="020B0604020202020204" pitchFamily="34" charset="0"/>
+            </a:endParaRPr>
+          </a:p>
+          <a:p>
+            <a:endParaRPr lang="en-US" dirty="0"/>
+          </a:p>
+        </p:txBody>
+      </p:sp>
+      <p:sp>
+        <p:nvSpPr>
+          <p:cNvPr id="4" name="Footer Placeholder 3">
+            <a:extLst>
+              <a:ext uri="{FF2B5EF4-FFF2-40B4-BE49-F238E27FC236}">
+                <a16:creationId xmlns:a16="http://schemas.microsoft.com/office/drawing/2014/main" id="{74323B3D-BCB5-4D05-84D9-6E00B80C1483}"/>
+              </a:ext>
+            </a:extLst>
+          </p:cNvPr>
+          <p:cNvSpPr>
+            <a:spLocks noGrp="1"/>
+          </p:cNvSpPr>
+          <p:nvPr>
+            <p:ph type="ftr" sz="quarter" idx="11"/>
+          </p:nvPr>
+        </p:nvSpPr>
+        <p:spPr>
+          <a:xfrm>
+            <a:off x="5181601" y="6459785"/>
+            <a:ext cx="3739340" cy="365125"/>
+          </a:xfrm>
+        </p:spPr>
+        <p:txBody>
+          <a:bodyPr>
+            <a:normAutofit/>
+          </a:bodyPr>
+          <a:lstStyle/>
+          <a:p>
+            <a:pPr algn="l">
+              <a:spcAft>
+                <a:spcPts val="600"/>
+              </a:spcAft>
+            </a:pPr>
+            <a:r>
+              <a:rPr lang="en-US">
+                <a:solidFill>
+                  <a:schemeClr val="tx1">
+                    <a:lumMod val="75000"/>
+                    <a:lumOff val="25000"/>
+                  </a:schemeClr>
+                </a:solidFill>
+              </a:rPr>
+              <a:t>Add a footer</a:t>
+            </a:r>
+          </a:p>
+        </p:txBody>
+      </p:sp>
+    </p:spTree>
+    <p:extLst>
+      <p:ext uri="{BB962C8B-B14F-4D97-AF65-F5344CB8AC3E}">
+        <p14:creationId xmlns:p14="http://schemas.microsoft.com/office/powerpoint/2010/main" val="2049430864"/>
+      </p:ext>
+    </p:extLst>
+  </p:cSld>
+  <p:clrMapOvr>
+    <a:masterClrMapping/>
+  </p:clrMapOvr>
+  <mc:AlternateContent xmlns:mc="http://schemas.openxmlformats.org/markup-compatibility/2006">
+    <mc:Choice xmlns:p14="http://schemas.microsoft.com/office/powerpoint/2010/main" Requires="p14">
+      <p:transition spd="med" p14:dur="700">
+        <p:fade/>
+      </p:transition>
+    </mc:Choice>
+    <mc:Fallback>
       <p:transition spd="med">
         <p:fade/>
       </p:transition>

--- a/High School/Modern Electricity and Electronics/Unit 2 - Electrical Circuits and Devices/Section 1 - Circuits, Voltage, and Current/Assets/Unit 2 - Section 1 - Circuits.pptx
+++ b/High School/Modern Electricity and Electronics/Unit 2 - Electrical Circuits and Devices/Section 1 - Circuits, Voltage, and Current/Assets/Unit 2 - Section 1 - Circuits.pptx
@@ -5,10 +5,10 @@
     <p:sldMasterId id="2147483705" r:id="rId1"/>
   </p:sldMasterIdLst>
   <p:notesMasterIdLst>
-    <p:notesMasterId r:id="rId22"/>
+    <p:notesMasterId r:id="rId25"/>
   </p:notesMasterIdLst>
   <p:handoutMasterIdLst>
-    <p:handoutMasterId r:id="rId23"/>
+    <p:handoutMasterId r:id="rId26"/>
   </p:handoutMasterIdLst>
   <p:sldIdLst>
     <p:sldId id="268" r:id="rId2"/>
@@ -31,6 +31,9 @@
     <p:sldId id="287" r:id="rId19"/>
     <p:sldId id="288" r:id="rId20"/>
     <p:sldId id="289" r:id="rId21"/>
+    <p:sldId id="290" r:id="rId22"/>
+    <p:sldId id="291" r:id="rId23"/>
+    <p:sldId id="292" r:id="rId24"/>
   </p:sldIdLst>
   <p:sldSz cx="12192000" cy="6858000"/>
   <p:notesSz cx="6858000" cy="9144000"/>
@@ -233,7 +236,7 @@
           <a:p>
             <a:fld id="{6AC4FB8F-ED15-48AB-97BD-17129D4E699D}" type="datetimeFigureOut">
               <a:rPr lang="en-US" smtClean="0"/>
-              <a:t>9/25/2018</a:t>
+              <a:t>9/27/2018</a:t>
             </a:fld>
             <a:endParaRPr lang="en-US" dirty="0"/>
           </a:p>
@@ -398,7 +401,7 @@
           <a:p>
             <a:fld id="{BBC9D437-CD83-4825-AD0D-5E7B341BC79B}" type="datetimeFigureOut">
               <a:rPr lang="en-US" smtClean="0"/>
-              <a:t>9/25/2018</a:t>
+              <a:t>9/27/2018</a:t>
             </a:fld>
             <a:endParaRPr lang="en-US" dirty="0"/>
           </a:p>
@@ -891,7 +894,7 @@
           <a:p>
             <a:fld id="{85AB7CBB-843F-464A-A764-71D6ADC27CFA}" type="datetime1">
               <a:rPr lang="en-US" smtClean="0"/>
-              <a:t>9/25/2018</a:t>
+              <a:t>9/27/2018</a:t>
             </a:fld>
             <a:endParaRPr lang="en-US" dirty="0"/>
           </a:p>
@@ -1116,7 +1119,7 @@
           <a:p>
             <a:fld id="{CBEFC03D-3A1F-4813-9337-02411FCC3A9A}" type="datetime1">
               <a:rPr lang="en-US" smtClean="0"/>
-              <a:t>9/25/2018</a:t>
+              <a:t>9/27/2018</a:t>
             </a:fld>
             <a:endParaRPr lang="en-US" dirty="0"/>
           </a:p>
@@ -1388,7 +1391,7 @@
           <a:p>
             <a:fld id="{3D638F79-DFA0-4C26-9553-23A017B69AB6}" type="datetime1">
               <a:rPr lang="en-US" smtClean="0"/>
-              <a:t>9/25/2018</a:t>
+              <a:t>9/27/2018</a:t>
             </a:fld>
             <a:endParaRPr lang="en-US" dirty="0"/>
           </a:p>
@@ -1499,7 +1502,7 @@
           <a:p>
             <a:fld id="{AA615CA6-EC4D-4728-8AA6-534BE7E9B67C}" type="datetime1">
               <a:rPr lang="en-US" smtClean="0"/>
-              <a:t>9/25/2018</a:t>
+              <a:t>9/27/2018</a:t>
             </a:fld>
             <a:endParaRPr lang="en-US" dirty="0"/>
           </a:p>
@@ -1684,7 +1687,7 @@
           <a:p>
             <a:fld id="{A70B34E7-E1D9-4FBF-A1A0-4009669A00BF}" type="datetime1">
               <a:rPr lang="en-US" smtClean="0"/>
-              <a:t>9/25/2018</a:t>
+              <a:t>9/27/2018</a:t>
             </a:fld>
             <a:endParaRPr lang="en-US" dirty="0"/>
           </a:p>
@@ -2044,7 +2047,7 @@
           <a:p>
             <a:fld id="{20EBB0C4-6273-4C6E-B9BD-2EDC30F1CD52}" type="datetimeFigureOut">
               <a:rPr lang="en-US" smtClean="0"/>
-              <a:t>9/25/2018</a:t>
+              <a:t>9/27/2018</a:t>
             </a:fld>
             <a:endParaRPr lang="en-US" dirty="0"/>
           </a:p>
@@ -2331,7 +2334,7 @@
           <a:p>
             <a:fld id="{7579E8B6-2F47-420B-83EA-EB2285D13EC9}" type="datetime1">
               <a:rPr lang="en-US" smtClean="0"/>
-              <a:t>9/25/2018</a:t>
+              <a:t>9/27/2018</a:t>
             </a:fld>
             <a:endParaRPr lang="en-US" dirty="0"/>
           </a:p>
@@ -2726,7 +2729,7 @@
           <a:p>
             <a:fld id="{2304803D-B10E-4B90-8456-A0E05393E233}" type="datetime1">
               <a:rPr lang="en-US" smtClean="0"/>
-              <a:t>9/25/2018</a:t>
+              <a:t>9/27/2018</a:t>
             </a:fld>
             <a:endParaRPr lang="en-US" dirty="0"/>
           </a:p>
@@ -2860,7 +2863,7 @@
           <a:p>
             <a:fld id="{CCE1E62F-6CCE-4064-96C2-2084AF883904}" type="datetime1">
               <a:rPr lang="en-US" smtClean="0"/>
-              <a:t>9/25/2018</a:t>
+              <a:t>9/27/2018</a:t>
             </a:fld>
             <a:endParaRPr lang="en-US" dirty="0"/>
           </a:p>
@@ -3047,7 +3050,7 @@
           <a:p>
             <a:fld id="{AA615CA6-EC4D-4728-8AA6-534BE7E9B67C}" type="datetime1">
               <a:rPr lang="en-US" smtClean="0"/>
-              <a:t>9/25/2018</a:t>
+              <a:t>9/27/2018</a:t>
             </a:fld>
             <a:endParaRPr lang="en-US" dirty="0"/>
           </a:p>
@@ -3417,7 +3420,7 @@
           <a:p>
             <a:fld id="{A6139942-0A2E-443A-842F-D6DE74360370}" type="datetime1">
               <a:rPr lang="en-US" smtClean="0"/>
-              <a:t>9/25/2018</a:t>
+              <a:t>9/27/2018</a:t>
             </a:fld>
             <a:endParaRPr lang="en-US" dirty="0"/>
           </a:p>
@@ -3810,7 +3813,7 @@
           <a:p>
             <a:fld id="{C9CAD897-D46E-4AD2-BD9B-49DD3E640873}" type="datetimeFigureOut">
               <a:rPr lang="en-US" smtClean="0"/>
-              <a:t>9/25/2018</a:t>
+              <a:t>9/27/2018</a:t>
             </a:fld>
             <a:endParaRPr lang="en-US" dirty="0"/>
           </a:p>
@@ -4161,7 +4164,7 @@
           <a:p>
             <a:fld id="{3F138946-C5C1-4A11-BA69-F12F43F8A94B}" type="datetime1">
               <a:rPr lang="en-US" smtClean="0"/>
-              <a:t>9/25/2018</a:t>
+              <a:t>9/27/2018</a:t>
             </a:fld>
             <a:endParaRPr lang="en-US" dirty="0"/>
           </a:p>
@@ -7383,13 +7386,13 @@
   <p:clrMapOvr>
     <a:masterClrMapping/>
   </p:clrMapOvr>
-  <mc:AlternateContent xmlns:mc="http://schemas.openxmlformats.org/markup-compatibility/2006">
-    <mc:Choice xmlns:p14="http://schemas.microsoft.com/office/powerpoint/2010/main" Requires="p14">
+  <mc:AlternateContent xmlns:mc="http://schemas.openxmlformats.org/markup-compatibility/2006" xmlns:p14="http://schemas.microsoft.com/office/powerpoint/2010/main">
+    <mc:Choice Requires="p14">
       <p:transition spd="med" p14:dur="700">
         <p:fade/>
       </p:transition>
     </mc:Choice>
-    <mc:Fallback>
+    <mc:Fallback xmlns="">
       <p:transition spd="med">
         <p:fade/>
       </p:transition>
@@ -7842,13 +7845,13 @@
   <p:clrMapOvr>
     <a:masterClrMapping/>
   </p:clrMapOvr>
-  <mc:AlternateContent xmlns:mc="http://schemas.openxmlformats.org/markup-compatibility/2006">
-    <mc:Choice xmlns:p14="http://schemas.microsoft.com/office/powerpoint/2010/main" Requires="p14">
+  <mc:AlternateContent xmlns:mc="http://schemas.openxmlformats.org/markup-compatibility/2006" xmlns:p14="http://schemas.microsoft.com/office/powerpoint/2010/main">
+    <mc:Choice Requires="p14">
       <p:transition spd="med" p14:dur="700">
         <p:fade/>
       </p:transition>
     </mc:Choice>
-    <mc:Fallback>
+    <mc:Fallback xmlns="">
       <p:transition spd="med">
         <p:fade/>
       </p:transition>
@@ -8494,13 +8497,13 @@
   <p:clrMapOvr>
     <a:masterClrMapping/>
   </p:clrMapOvr>
-  <mc:AlternateContent xmlns:mc="http://schemas.openxmlformats.org/markup-compatibility/2006">
-    <mc:Choice xmlns:p14="http://schemas.microsoft.com/office/powerpoint/2010/main" Requires="p14">
+  <mc:AlternateContent xmlns:mc="http://schemas.openxmlformats.org/markup-compatibility/2006" xmlns:p14="http://schemas.microsoft.com/office/powerpoint/2010/main">
+    <mc:Choice Requires="p14">
       <p:transition spd="med" p14:dur="700">
         <p:fade/>
       </p:transition>
     </mc:Choice>
-    <mc:Fallback>
+    <mc:Fallback xmlns="">
       <p:transition spd="med">
         <p:fade/>
       </p:transition>
@@ -9073,13 +9076,478 @@
   <p:clrMapOvr>
     <a:masterClrMapping/>
   </p:clrMapOvr>
-  <mc:AlternateContent xmlns:mc="http://schemas.openxmlformats.org/markup-compatibility/2006">
-    <mc:Choice xmlns:p14="http://schemas.microsoft.com/office/powerpoint/2010/main" Requires="p14">
+  <mc:AlternateContent xmlns:mc="http://schemas.openxmlformats.org/markup-compatibility/2006" xmlns:p14="http://schemas.microsoft.com/office/powerpoint/2010/main">
+    <mc:Choice Requires="p14">
       <p:transition spd="med" p14:dur="700">
         <p:fade/>
       </p:transition>
     </mc:Choice>
-    <mc:Fallback>
+    <mc:Fallback xmlns="">
+      <p:transition spd="med">
+        <p:fade/>
+      </p:transition>
+    </mc:Fallback>
+  </mc:AlternateContent>
+</p:sld>
+</file>
+
+<file path=ppt/slides/slide21.xml><?xml version="1.0" encoding="utf-8"?>
+<p:sld xmlns:a="http://schemas.openxmlformats.org/drawingml/2006/main" xmlns:r="http://schemas.openxmlformats.org/officeDocument/2006/relationships" xmlns:p="http://schemas.openxmlformats.org/presentationml/2006/main">
+  <p:cSld>
+    <p:spTree>
+      <p:nvGrpSpPr>
+        <p:cNvPr id="1" name=""/>
+        <p:cNvGrpSpPr/>
+        <p:nvPr/>
+      </p:nvGrpSpPr>
+      <p:grpSpPr>
+        <a:xfrm>
+          <a:off x="0" y="0"/>
+          <a:ext cx="0" cy="0"/>
+          <a:chOff x="0" y="0"/>
+          <a:chExt cx="0" cy="0"/>
+        </a:xfrm>
+      </p:grpSpPr>
+      <p:sp>
+        <p:nvSpPr>
+          <p:cNvPr id="2" name="Title 1">
+            <a:extLst>
+              <a:ext uri="{FF2B5EF4-FFF2-40B4-BE49-F238E27FC236}">
+                <a16:creationId xmlns:a16="http://schemas.microsoft.com/office/drawing/2014/main" id="{909ED912-C4BC-4AA1-9815-BE4E86C72093}"/>
+              </a:ext>
+            </a:extLst>
+          </p:cNvPr>
+          <p:cNvSpPr>
+            <a:spLocks noGrp="1"/>
+          </p:cNvSpPr>
+          <p:nvPr>
+            <p:ph type="title"/>
+          </p:nvPr>
+        </p:nvSpPr>
+        <p:spPr/>
+        <p:txBody>
+          <a:bodyPr/>
+          <a:lstStyle/>
+          <a:p>
+            <a:r>
+              <a:rPr lang="en-US" dirty="0"/>
+              <a:t>Voltage and Current Requirements</a:t>
+            </a:r>
+          </a:p>
+        </p:txBody>
+      </p:sp>
+      <p:sp>
+        <p:nvSpPr>
+          <p:cNvPr id="3" name="Content Placeholder 2">
+            <a:extLst>
+              <a:ext uri="{FF2B5EF4-FFF2-40B4-BE49-F238E27FC236}">
+                <a16:creationId xmlns:a16="http://schemas.microsoft.com/office/drawing/2014/main" id="{7033961C-096E-4FCA-B210-D8AEE2362881}"/>
+              </a:ext>
+            </a:extLst>
+          </p:cNvPr>
+          <p:cNvSpPr>
+            <a:spLocks noGrp="1"/>
+          </p:cNvSpPr>
+          <p:nvPr>
+            <p:ph idx="1"/>
+          </p:nvPr>
+        </p:nvSpPr>
+        <p:spPr/>
+        <p:txBody>
+          <a:bodyPr/>
+          <a:lstStyle/>
+          <a:p>
+            <a:r>
+              <a:rPr lang="en-US" dirty="0"/>
+              <a:t>For a device to work properly, the source of energy needs to do 2 things:</a:t>
+            </a:r>
+          </a:p>
+          <a:p>
+            <a:pPr marL="457200" indent="-457200">
+              <a:buFont typeface="+mj-lt"/>
+              <a:buAutoNum type="arabicPeriod"/>
+            </a:pPr>
+            <a:r>
+              <a:rPr lang="en-US" dirty="0"/>
+              <a:t>Supply the voltage</a:t>
+            </a:r>
+          </a:p>
+          <a:p>
+            <a:pPr marL="457200" indent="-457200">
+              <a:buFont typeface="+mj-lt"/>
+              <a:buAutoNum type="arabicPeriod"/>
+            </a:pPr>
+            <a:r>
+              <a:rPr lang="en-US" dirty="0"/>
+              <a:t>Deliver the current the device is designed for</a:t>
+            </a:r>
+          </a:p>
+          <a:p>
+            <a:pPr marL="457200" indent="-457200">
+              <a:buFont typeface="+mj-lt"/>
+              <a:buAutoNum type="arabicPeriod"/>
+            </a:pPr>
+            <a:endParaRPr lang="en-US" dirty="0"/>
+          </a:p>
+          <a:p>
+            <a:pPr marL="0" indent="0">
+              <a:buNone/>
+            </a:pPr>
+            <a:r>
+              <a:rPr lang="en-US" dirty="0"/>
+              <a:t>Ex. You can connect eight flashlight dry cells together to form a battery that produces 12 volts. This most likely would not start a car though as it requires a larger load through current</a:t>
+            </a:r>
+          </a:p>
+        </p:txBody>
+      </p:sp>
+      <p:sp>
+        <p:nvSpPr>
+          <p:cNvPr id="4" name="Footer Placeholder 3">
+            <a:extLst>
+              <a:ext uri="{FF2B5EF4-FFF2-40B4-BE49-F238E27FC236}">
+                <a16:creationId xmlns:a16="http://schemas.microsoft.com/office/drawing/2014/main" id="{1778558C-5BF1-4050-81E7-231EB90F0AC0}"/>
+              </a:ext>
+            </a:extLst>
+          </p:cNvPr>
+          <p:cNvSpPr>
+            <a:spLocks noGrp="1"/>
+          </p:cNvSpPr>
+          <p:nvPr>
+            <p:ph type="ftr" sz="quarter" idx="11"/>
+          </p:nvPr>
+        </p:nvSpPr>
+        <p:spPr/>
+        <p:txBody>
+          <a:bodyPr/>
+          <a:lstStyle/>
+          <a:p>
+            <a:r>
+              <a:rPr lang="en-US"/>
+              <a:t>Add a footer</a:t>
+            </a:r>
+            <a:endParaRPr lang="en-US" dirty="0"/>
+          </a:p>
+        </p:txBody>
+      </p:sp>
+    </p:spTree>
+    <p:extLst>
+      <p:ext uri="{BB962C8B-B14F-4D97-AF65-F5344CB8AC3E}">
+        <p14:creationId xmlns:p14="http://schemas.microsoft.com/office/powerpoint/2010/main" val="1179058688"/>
+      </p:ext>
+    </p:extLst>
+  </p:cSld>
+  <p:clrMapOvr>
+    <a:masterClrMapping/>
+  </p:clrMapOvr>
+  <mc:AlternateContent xmlns:mc="http://schemas.openxmlformats.org/markup-compatibility/2006" xmlns:p14="http://schemas.microsoft.com/office/powerpoint/2010/main">
+    <mc:Choice Requires="p14">
+      <p:transition spd="med" p14:dur="700">
+        <p:fade/>
+      </p:transition>
+    </mc:Choice>
+    <mc:Fallback xmlns="">
+      <p:transition spd="med">
+        <p:fade/>
+      </p:transition>
+    </mc:Fallback>
+  </mc:AlternateContent>
+</p:sld>
+</file>
+
+<file path=ppt/slides/slide22.xml><?xml version="1.0" encoding="utf-8"?>
+<p:sld xmlns:a="http://schemas.openxmlformats.org/drawingml/2006/main" xmlns:r="http://schemas.openxmlformats.org/officeDocument/2006/relationships" xmlns:p="http://schemas.openxmlformats.org/presentationml/2006/main">
+  <p:cSld>
+    <p:spTree>
+      <p:nvGrpSpPr>
+        <p:cNvPr id="1" name=""/>
+        <p:cNvGrpSpPr/>
+        <p:nvPr/>
+      </p:nvGrpSpPr>
+      <p:grpSpPr>
+        <a:xfrm>
+          <a:off x="0" y="0"/>
+          <a:ext cx="0" cy="0"/>
+          <a:chOff x="0" y="0"/>
+          <a:chExt cx="0" cy="0"/>
+        </a:xfrm>
+      </p:grpSpPr>
+      <p:sp>
+        <p:nvSpPr>
+          <p:cNvPr id="2" name="Title 1">
+            <a:extLst>
+              <a:ext uri="{FF2B5EF4-FFF2-40B4-BE49-F238E27FC236}">
+                <a16:creationId xmlns:a16="http://schemas.microsoft.com/office/drawing/2014/main" id="{46C58D86-F13E-4B6B-BFFD-F73C8343CA45}"/>
+              </a:ext>
+            </a:extLst>
+          </p:cNvPr>
+          <p:cNvSpPr>
+            <a:spLocks noGrp="1"/>
+          </p:cNvSpPr>
+          <p:nvPr>
+            <p:ph type="title"/>
+          </p:nvPr>
+        </p:nvSpPr>
+        <p:spPr/>
+        <p:txBody>
+          <a:bodyPr/>
+          <a:lstStyle/>
+          <a:p>
+            <a:r>
+              <a:rPr lang="en-US" dirty="0"/>
+              <a:t>Direct Current</a:t>
+            </a:r>
+          </a:p>
+        </p:txBody>
+      </p:sp>
+      <p:sp>
+        <p:nvSpPr>
+          <p:cNvPr id="3" name="Content Placeholder 2">
+            <a:extLst>
+              <a:ext uri="{FF2B5EF4-FFF2-40B4-BE49-F238E27FC236}">
+                <a16:creationId xmlns:a16="http://schemas.microsoft.com/office/drawing/2014/main" id="{C718513C-EE97-4684-82D1-3562D2A18A57}"/>
+              </a:ext>
+            </a:extLst>
+          </p:cNvPr>
+          <p:cNvSpPr>
+            <a:spLocks noGrp="1"/>
+          </p:cNvSpPr>
+          <p:nvPr>
+            <p:ph idx="1"/>
+          </p:nvPr>
+        </p:nvSpPr>
+        <p:spPr/>
+        <p:txBody>
+          <a:bodyPr/>
+          <a:lstStyle/>
+          <a:p>
+            <a:pPr>
+              <a:buFont typeface="Wingdings" panose="05000000000000000000" pitchFamily="2" charset="2"/>
+              <a:buChar char="§"/>
+            </a:pPr>
+            <a:r>
+              <a:rPr lang="en-US" dirty="0"/>
+              <a:t> Produced in a circuit by steady voltage source</a:t>
+            </a:r>
+          </a:p>
+          <a:p>
+            <a:pPr>
+              <a:buFont typeface="Wingdings" panose="05000000000000000000" pitchFamily="2" charset="2"/>
+              <a:buChar char="§"/>
+            </a:pPr>
+            <a:r>
+              <a:rPr lang="en-US" dirty="0"/>
+              <a:t> Direction of the current does not change over time</a:t>
+            </a:r>
+          </a:p>
+          <a:p>
+            <a:pPr>
+              <a:buFont typeface="Wingdings" panose="05000000000000000000" pitchFamily="2" charset="2"/>
+              <a:buChar char="§"/>
+            </a:pPr>
+            <a:r>
+              <a:rPr lang="en-US" dirty="0"/>
+              <a:t> Electric cells, batteries, DV generators</a:t>
+            </a:r>
+          </a:p>
+        </p:txBody>
+      </p:sp>
+      <p:sp>
+        <p:nvSpPr>
+          <p:cNvPr id="4" name="Footer Placeholder 3">
+            <a:extLst>
+              <a:ext uri="{FF2B5EF4-FFF2-40B4-BE49-F238E27FC236}">
+                <a16:creationId xmlns:a16="http://schemas.microsoft.com/office/drawing/2014/main" id="{11D26C5A-91CC-4956-9810-8AE49F60BF8A}"/>
+              </a:ext>
+            </a:extLst>
+          </p:cNvPr>
+          <p:cNvSpPr>
+            <a:spLocks noGrp="1"/>
+          </p:cNvSpPr>
+          <p:nvPr>
+            <p:ph type="ftr" sz="quarter" idx="11"/>
+          </p:nvPr>
+        </p:nvSpPr>
+        <p:spPr/>
+        <p:txBody>
+          <a:bodyPr/>
+          <a:lstStyle/>
+          <a:p>
+            <a:r>
+              <a:rPr lang="en-US"/>
+              <a:t>Add a footer</a:t>
+            </a:r>
+            <a:endParaRPr lang="en-US" dirty="0"/>
+          </a:p>
+        </p:txBody>
+      </p:sp>
+    </p:spTree>
+    <p:extLst>
+      <p:ext uri="{BB962C8B-B14F-4D97-AF65-F5344CB8AC3E}">
+        <p14:creationId xmlns:p14="http://schemas.microsoft.com/office/powerpoint/2010/main" val="2195939070"/>
+      </p:ext>
+    </p:extLst>
+  </p:cSld>
+  <p:clrMapOvr>
+    <a:masterClrMapping/>
+  </p:clrMapOvr>
+  <mc:AlternateContent xmlns:mc="http://schemas.openxmlformats.org/markup-compatibility/2006" xmlns:p14="http://schemas.microsoft.com/office/powerpoint/2010/main">
+    <mc:Choice Requires="p14">
+      <p:transition spd="med" p14:dur="700">
+        <p:fade/>
+      </p:transition>
+    </mc:Choice>
+    <mc:Fallback xmlns="">
+      <p:transition spd="med">
+        <p:fade/>
+      </p:transition>
+    </mc:Fallback>
+  </mc:AlternateContent>
+</p:sld>
+</file>
+
+<file path=ppt/slides/slide23.xml><?xml version="1.0" encoding="utf-8"?>
+<p:sld xmlns:a="http://schemas.openxmlformats.org/drawingml/2006/main" xmlns:r="http://schemas.openxmlformats.org/officeDocument/2006/relationships" xmlns:p="http://schemas.openxmlformats.org/presentationml/2006/main">
+  <p:cSld>
+    <p:spTree>
+      <p:nvGrpSpPr>
+        <p:cNvPr id="1" name=""/>
+        <p:cNvGrpSpPr/>
+        <p:nvPr/>
+      </p:nvGrpSpPr>
+      <p:grpSpPr>
+        <a:xfrm>
+          <a:off x="0" y="0"/>
+          <a:ext cx="0" cy="0"/>
+          <a:chOff x="0" y="0"/>
+          <a:chExt cx="0" cy="0"/>
+        </a:xfrm>
+      </p:grpSpPr>
+      <p:sp>
+        <p:nvSpPr>
+          <p:cNvPr id="2" name="Title 1">
+            <a:extLst>
+              <a:ext uri="{FF2B5EF4-FFF2-40B4-BE49-F238E27FC236}">
+                <a16:creationId xmlns:a16="http://schemas.microsoft.com/office/drawing/2014/main" id="{FD5E5E56-4970-4E20-A51B-51A7026DD127}"/>
+              </a:ext>
+            </a:extLst>
+          </p:cNvPr>
+          <p:cNvSpPr>
+            <a:spLocks noGrp="1"/>
+          </p:cNvSpPr>
+          <p:nvPr>
+            <p:ph type="title"/>
+          </p:nvPr>
+        </p:nvSpPr>
+        <p:spPr/>
+        <p:txBody>
+          <a:bodyPr/>
+          <a:lstStyle/>
+          <a:p>
+            <a:r>
+              <a:rPr lang="en-US" dirty="0"/>
+              <a:t>Alternating Current</a:t>
+            </a:r>
+          </a:p>
+        </p:txBody>
+      </p:sp>
+      <p:sp>
+        <p:nvSpPr>
+          <p:cNvPr id="3" name="Content Placeholder 2">
+            <a:extLst>
+              <a:ext uri="{FF2B5EF4-FFF2-40B4-BE49-F238E27FC236}">
+                <a16:creationId xmlns:a16="http://schemas.microsoft.com/office/drawing/2014/main" id="{01293FD4-EA59-484A-9F9A-6FD8342116DD}"/>
+              </a:ext>
+            </a:extLst>
+          </p:cNvPr>
+          <p:cNvSpPr>
+            <a:spLocks noGrp="1"/>
+          </p:cNvSpPr>
+          <p:nvPr>
+            <p:ph idx="1"/>
+          </p:nvPr>
+        </p:nvSpPr>
+        <p:spPr/>
+        <p:txBody>
+          <a:bodyPr/>
+          <a:lstStyle/>
+          <a:p>
+            <a:pPr>
+              <a:buFont typeface="Wingdings" panose="05000000000000000000" pitchFamily="2" charset="2"/>
+              <a:buChar char="§"/>
+            </a:pPr>
+            <a:r>
+              <a:rPr lang="en-US" dirty="0"/>
+              <a:t> Produced by a voltage source that changes polarity over time</a:t>
+            </a:r>
+          </a:p>
+          <a:p>
+            <a:pPr>
+              <a:buFont typeface="Wingdings" panose="05000000000000000000" pitchFamily="2" charset="2"/>
+              <a:buChar char="§"/>
+            </a:pPr>
+            <a:r>
+              <a:rPr lang="en-US" dirty="0"/>
+              <a:t> Causes the current to move first in one direction and then in the other direction</a:t>
+            </a:r>
+          </a:p>
+          <a:p>
+            <a:pPr>
+              <a:buFont typeface="Wingdings" panose="05000000000000000000" pitchFamily="2" charset="2"/>
+              <a:buChar char="§"/>
+            </a:pPr>
+            <a:r>
+              <a:rPr lang="en-US" dirty="0"/>
+              <a:t> Most commonly used AC generator, alternator</a:t>
+            </a:r>
+          </a:p>
+        </p:txBody>
+      </p:sp>
+      <p:sp>
+        <p:nvSpPr>
+          <p:cNvPr id="4" name="Footer Placeholder 3">
+            <a:extLst>
+              <a:ext uri="{FF2B5EF4-FFF2-40B4-BE49-F238E27FC236}">
+                <a16:creationId xmlns:a16="http://schemas.microsoft.com/office/drawing/2014/main" id="{0C7E9EDA-406D-4FA3-AF7F-44656B864E8F}"/>
+              </a:ext>
+            </a:extLst>
+          </p:cNvPr>
+          <p:cNvSpPr>
+            <a:spLocks noGrp="1"/>
+          </p:cNvSpPr>
+          <p:nvPr>
+            <p:ph type="ftr" sz="quarter" idx="11"/>
+          </p:nvPr>
+        </p:nvSpPr>
+        <p:spPr/>
+        <p:txBody>
+          <a:bodyPr/>
+          <a:lstStyle/>
+          <a:p>
+            <a:r>
+              <a:rPr lang="en-US"/>
+              <a:t>Add a footer</a:t>
+            </a:r>
+            <a:endParaRPr lang="en-US" dirty="0"/>
+          </a:p>
+        </p:txBody>
+      </p:sp>
+    </p:spTree>
+    <p:extLst>
+      <p:ext uri="{BB962C8B-B14F-4D97-AF65-F5344CB8AC3E}">
+        <p14:creationId xmlns:p14="http://schemas.microsoft.com/office/powerpoint/2010/main" val="3267364154"/>
+      </p:ext>
+    </p:extLst>
+  </p:cSld>
+  <p:clrMapOvr>
+    <a:masterClrMapping/>
+  </p:clrMapOvr>
+  <mc:AlternateContent xmlns:mc="http://schemas.openxmlformats.org/markup-compatibility/2006" xmlns:p14="http://schemas.microsoft.com/office/powerpoint/2010/main">
+    <mc:Choice Requires="p14">
+      <p:transition spd="med" p14:dur="700">
+        <p:fade/>
+      </p:transition>
+    </mc:Choice>
+    <mc:Fallback xmlns="">
       <p:transition spd="med">
         <p:fade/>
       </p:transition>
